--- a/UnitTests_DevTrain.pptx
+++ b/UnitTests_DevTrain.pptx
@@ -5,10 +5,10 @@
     <p:sldMasterId id="2147483732" r:id="rId5"/>
   </p:sldMasterIdLst>
   <p:notesMasterIdLst>
-    <p:notesMasterId r:id="rId51"/>
+    <p:notesMasterId r:id="rId56"/>
   </p:notesMasterIdLst>
   <p:handoutMasterIdLst>
-    <p:handoutMasterId r:id="rId52"/>
+    <p:handoutMasterId r:id="rId57"/>
   </p:handoutMasterIdLst>
   <p:sldIdLst>
     <p:sldId id="256" r:id="rId6"/>
@@ -23,39 +23,44 @@
     <p:sldId id="299" r:id="rId15"/>
     <p:sldId id="300" r:id="rId16"/>
     <p:sldId id="301" r:id="rId17"/>
-    <p:sldId id="322" r:id="rId18"/>
-    <p:sldId id="323" r:id="rId19"/>
-    <p:sldId id="324" r:id="rId20"/>
-    <p:sldId id="325" r:id="rId21"/>
-    <p:sldId id="330" r:id="rId22"/>
-    <p:sldId id="331" r:id="rId23"/>
-    <p:sldId id="332" r:id="rId24"/>
-    <p:sldId id="327" r:id="rId25"/>
-    <p:sldId id="310" r:id="rId26"/>
-    <p:sldId id="326" r:id="rId27"/>
-    <p:sldId id="279" r:id="rId28"/>
-    <p:sldId id="311" r:id="rId29"/>
-    <p:sldId id="308" r:id="rId30"/>
-    <p:sldId id="280" r:id="rId31"/>
-    <p:sldId id="312" r:id="rId32"/>
-    <p:sldId id="313" r:id="rId33"/>
-    <p:sldId id="314" r:id="rId34"/>
-    <p:sldId id="318" r:id="rId35"/>
-    <p:sldId id="309" r:id="rId36"/>
-    <p:sldId id="316" r:id="rId37"/>
-    <p:sldId id="317" r:id="rId38"/>
-    <p:sldId id="319" r:id="rId39"/>
-    <p:sldId id="333" r:id="rId40"/>
-    <p:sldId id="334" r:id="rId41"/>
-    <p:sldId id="336" r:id="rId42"/>
-    <p:sldId id="341" r:id="rId43"/>
-    <p:sldId id="328" r:id="rId44"/>
-    <p:sldId id="339" r:id="rId45"/>
-    <p:sldId id="337" r:id="rId46"/>
-    <p:sldId id="338" r:id="rId47"/>
-    <p:sldId id="340" r:id="rId48"/>
-    <p:sldId id="329" r:id="rId49"/>
-    <p:sldId id="277" r:id="rId50"/>
+    <p:sldId id="345" r:id="rId18"/>
+    <p:sldId id="322" r:id="rId19"/>
+    <p:sldId id="323" r:id="rId20"/>
+    <p:sldId id="324" r:id="rId21"/>
+    <p:sldId id="346" r:id="rId22"/>
+    <p:sldId id="325" r:id="rId23"/>
+    <p:sldId id="330" r:id="rId24"/>
+    <p:sldId id="331" r:id="rId25"/>
+    <p:sldId id="332" r:id="rId26"/>
+    <p:sldId id="327" r:id="rId27"/>
+    <p:sldId id="310" r:id="rId28"/>
+    <p:sldId id="326" r:id="rId29"/>
+    <p:sldId id="279" r:id="rId30"/>
+    <p:sldId id="311" r:id="rId31"/>
+    <p:sldId id="308" r:id="rId32"/>
+    <p:sldId id="280" r:id="rId33"/>
+    <p:sldId id="312" r:id="rId34"/>
+    <p:sldId id="313" r:id="rId35"/>
+    <p:sldId id="314" r:id="rId36"/>
+    <p:sldId id="318" r:id="rId37"/>
+    <p:sldId id="309" r:id="rId38"/>
+    <p:sldId id="316" r:id="rId39"/>
+    <p:sldId id="317" r:id="rId40"/>
+    <p:sldId id="319" r:id="rId41"/>
+    <p:sldId id="333" r:id="rId42"/>
+    <p:sldId id="334" r:id="rId43"/>
+    <p:sldId id="336" r:id="rId44"/>
+    <p:sldId id="341" r:id="rId45"/>
+    <p:sldId id="328" r:id="rId46"/>
+    <p:sldId id="339" r:id="rId47"/>
+    <p:sldId id="337" r:id="rId48"/>
+    <p:sldId id="338" r:id="rId49"/>
+    <p:sldId id="340" r:id="rId50"/>
+    <p:sldId id="329" r:id="rId51"/>
+    <p:sldId id="342" r:id="rId52"/>
+    <p:sldId id="344" r:id="rId53"/>
+    <p:sldId id="343" r:id="rId54"/>
+    <p:sldId id="277" r:id="rId55"/>
   </p:sldIdLst>
   <p:sldSz cx="7620000" cy="5715000"/>
   <p:notesSz cx="7099300" cy="10234613"/>
@@ -1257,7 +1262,7 @@
             <a:fld id="{4F91B457-3F2E-4122-9F2F-909BA6E0B6E3}" type="datetimeFigureOut">
               <a:rPr lang="de-DE" smtClean="0"/>
               <a:pPr/>
-              <a:t>30.01.2025</a:t>
+              <a:t>31.01.2025</a:t>
             </a:fld>
             <a:endParaRPr lang="de-DE"/>
           </a:p>
@@ -1777,7 +1782,7 @@
             <a:fld id="{F6FEE991-81EB-4494-AA83-0C307BABC94D}" type="slidenum">
               <a:rPr lang="de-DE" smtClean="0"/>
               <a:pPr/>
-              <a:t>19</a:t>
+              <a:t>21</a:t>
             </a:fld>
             <a:endParaRPr lang="de-DE"/>
           </a:p>
@@ -1872,7 +1877,7 @@
             <a:fld id="{F6FEE991-81EB-4494-AA83-0C307BABC94D}" type="slidenum">
               <a:rPr lang="de-DE" smtClean="0"/>
               <a:pPr/>
-              <a:t>45</a:t>
+              <a:t>50</a:t>
             </a:fld>
             <a:endParaRPr lang="de-DE"/>
           </a:p>
@@ -2447,7 +2452,7 @@
           <a:p>
             <a:fld id="{5553AF74-976A-8242-A012-F62783B45F81}" type="datetimeFigureOut">
               <a:rPr lang="de-DE" smtClean="0"/>
-              <a:t>30.01.2025</a:t>
+              <a:t>31.01.2025</a:t>
             </a:fld>
             <a:endParaRPr lang="de-DE"/>
           </a:p>
@@ -2564,7 +2569,7 @@
           <a:p>
             <a:fld id="{5553AF74-976A-8242-A012-F62783B45F81}" type="datetimeFigureOut">
               <a:rPr lang="de-DE" smtClean="0"/>
-              <a:t>30.01.2025</a:t>
+              <a:t>31.01.2025</a:t>
             </a:fld>
             <a:endParaRPr lang="de-DE"/>
           </a:p>
@@ -2957,7 +2962,7 @@
           <a:p>
             <a:fld id="{5553AF74-976A-8242-A012-F62783B45F81}" type="datetimeFigureOut">
               <a:rPr lang="de-DE" smtClean="0"/>
-              <a:t>30.01.2025</a:t>
+              <a:t>31.01.2025</a:t>
             </a:fld>
             <a:endParaRPr lang="de-DE"/>
           </a:p>
@@ -3413,7 +3418,7 @@
           <a:p>
             <a:fld id="{5553AF74-976A-8242-A012-F62783B45F81}" type="datetimeFigureOut">
               <a:rPr lang="de-DE" smtClean="0"/>
-              <a:t>30.01.2025</a:t>
+              <a:t>31.01.2025</a:t>
             </a:fld>
             <a:endParaRPr lang="de-DE"/>
           </a:p>
@@ -6036,7 +6041,7 @@
           <a:p>
             <a:fld id="{5553AF74-976A-8242-A012-F62783B45F81}" type="datetimeFigureOut">
               <a:rPr lang="de-DE" smtClean="0"/>
-              <a:t>30.01.2025</a:t>
+              <a:t>31.01.2025</a:t>
             </a:fld>
             <a:endParaRPr lang="de-DE"/>
           </a:p>
@@ -7239,6 +7244,115 @@
   <p:cSld>
     <p:spTree>
       <p:nvGrpSpPr>
+        <p:cNvPr id="1" name="">
+          <a:extLst>
+            <a:ext uri="{FF2B5EF4-FFF2-40B4-BE49-F238E27FC236}">
+              <a16:creationId xmlns:a16="http://schemas.microsoft.com/office/drawing/2014/main" id="{FACC1F07-91BB-AA77-B252-014A76A7D8DB}"/>
+            </a:ext>
+          </a:extLst>
+        </p:cNvPr>
+        <p:cNvGrpSpPr/>
+        <p:nvPr/>
+      </p:nvGrpSpPr>
+      <p:grpSpPr>
+        <a:xfrm>
+          <a:off x="0" y="0"/>
+          <a:ext cx="0" cy="0"/>
+          <a:chOff x="0" y="0"/>
+          <a:chExt cx="0" cy="0"/>
+        </a:xfrm>
+      </p:grpSpPr>
+      <p:sp>
+        <p:nvSpPr>
+          <p:cNvPr id="2" name="Titel 1">
+            <a:extLst>
+              <a:ext uri="{FF2B5EF4-FFF2-40B4-BE49-F238E27FC236}">
+                <a16:creationId xmlns:a16="http://schemas.microsoft.com/office/drawing/2014/main" id="{3CA7F44D-8DB7-979F-6CBC-761DDAC17FA5}"/>
+              </a:ext>
+            </a:extLst>
+          </p:cNvPr>
+          <p:cNvSpPr>
+            <a:spLocks noGrp="1"/>
+          </p:cNvSpPr>
+          <p:nvPr>
+            <p:ph type="title"/>
+          </p:nvPr>
+        </p:nvSpPr>
+        <p:spPr/>
+        <p:txBody>
+          <a:bodyPr/>
+          <a:lstStyle/>
+          <a:p>
+            <a:r>
+              <a:rPr lang="de-DE" dirty="0"/>
+              <a:t>Test</a:t>
+            </a:r>
+          </a:p>
+        </p:txBody>
+      </p:sp>
+      <p:sp>
+        <p:nvSpPr>
+          <p:cNvPr id="3" name="Inhaltsplatzhalter 2">
+            <a:extLst>
+              <a:ext uri="{FF2B5EF4-FFF2-40B4-BE49-F238E27FC236}">
+                <a16:creationId xmlns:a16="http://schemas.microsoft.com/office/drawing/2014/main" id="{21413179-2F01-64B1-7652-C2DEFD69DE79}"/>
+              </a:ext>
+            </a:extLst>
+          </p:cNvPr>
+          <p:cNvSpPr>
+            <a:spLocks noGrp="1"/>
+          </p:cNvSpPr>
+          <p:nvPr>
+            <p:ph sz="quarter" idx="16"/>
+          </p:nvPr>
+        </p:nvSpPr>
+        <p:spPr>
+          <a:xfrm>
+            <a:off x="282224" y="941527"/>
+            <a:ext cx="7055554" cy="4128162"/>
+          </a:xfrm>
+        </p:spPr>
+        <p:txBody>
+          <a:bodyPr/>
+          <a:lstStyle/>
+          <a:p>
+            <a:r>
+              <a:rPr lang="de-DE" dirty="0"/>
+              <a:t>DEMO</a:t>
+            </a:r>
+          </a:p>
+        </p:txBody>
+      </p:sp>
+    </p:spTree>
+    <p:extLst>
+      <p:ext uri="{BB962C8B-B14F-4D97-AF65-F5344CB8AC3E}">
+        <p14:creationId xmlns:p14="http://schemas.microsoft.com/office/powerpoint/2010/main" val="322669479"/>
+      </p:ext>
+    </p:extLst>
+  </p:cSld>
+  <p:clrMapOvr>
+    <a:masterClrMapping/>
+  </p:clrMapOvr>
+  <mc:AlternateContent xmlns:mc="http://schemas.openxmlformats.org/markup-compatibility/2006" xmlns:p14="http://schemas.microsoft.com/office/powerpoint/2010/main">
+    <mc:Choice Requires="p14">
+      <p:transition spd="med" p14:dur="700">
+        <p:fade/>
+      </p:transition>
+    </mc:Choice>
+    <mc:Fallback xmlns="">
+      <p:transition spd="med">
+        <p:fade/>
+      </p:transition>
+    </mc:Fallback>
+  </mc:AlternateContent>
+</p:sld>
+</file>
+
+<file path=ppt/slides/slide14.xml><?xml version="1.0" encoding="utf-8"?>
+<p:sld xmlns:a="http://schemas.openxmlformats.org/drawingml/2006/main" xmlns:r="http://schemas.openxmlformats.org/officeDocument/2006/relationships" xmlns:p="http://schemas.openxmlformats.org/presentationml/2006/main">
+  <p:cSld>
+    <p:spTree>
+      <p:nvGrpSpPr>
         <p:cNvPr id="1" name=""/>
         <p:cNvGrpSpPr/>
         <p:nvPr/>
@@ -7329,7 +7443,7 @@
 </p:sld>
 </file>
 
-<file path=ppt/slides/slide14.xml><?xml version="1.0" encoding="utf-8"?>
+<file path=ppt/slides/slide15.xml><?xml version="1.0" encoding="utf-8"?>
 <p:sld xmlns:a="http://schemas.openxmlformats.org/drawingml/2006/main" xmlns:r="http://schemas.openxmlformats.org/officeDocument/2006/relationships" xmlns:p="http://schemas.openxmlformats.org/presentationml/2006/main">
   <p:cSld>
     <p:spTree>
@@ -7431,7 +7545,7 @@
 </p:sld>
 </file>
 
-<file path=ppt/slides/slide15.xml><?xml version="1.0" encoding="utf-8"?>
+<file path=ppt/slides/slide16.xml><?xml version="1.0" encoding="utf-8"?>
 <p:sld xmlns:a="http://schemas.openxmlformats.org/drawingml/2006/main" xmlns:r="http://schemas.openxmlformats.org/officeDocument/2006/relationships" xmlns:p="http://schemas.openxmlformats.org/presentationml/2006/main">
   <p:cSld>
     <p:spTree>
@@ -7541,7 +7655,116 @@
 </p:sld>
 </file>
 
-<file path=ppt/slides/slide16.xml><?xml version="1.0" encoding="utf-8"?>
+<file path=ppt/slides/slide17.xml><?xml version="1.0" encoding="utf-8"?>
+<p:sld xmlns:a="http://schemas.openxmlformats.org/drawingml/2006/main" xmlns:r="http://schemas.openxmlformats.org/officeDocument/2006/relationships" xmlns:p="http://schemas.openxmlformats.org/presentationml/2006/main">
+  <p:cSld>
+    <p:spTree>
+      <p:nvGrpSpPr>
+        <p:cNvPr id="1" name="">
+          <a:extLst>
+            <a:ext uri="{FF2B5EF4-FFF2-40B4-BE49-F238E27FC236}">
+              <a16:creationId xmlns:a16="http://schemas.microsoft.com/office/drawing/2014/main" id="{54260586-7151-7B0A-B6CD-EB92D315B0E8}"/>
+            </a:ext>
+          </a:extLst>
+        </p:cNvPr>
+        <p:cNvGrpSpPr/>
+        <p:nvPr/>
+      </p:nvGrpSpPr>
+      <p:grpSpPr>
+        <a:xfrm>
+          <a:off x="0" y="0"/>
+          <a:ext cx="0" cy="0"/>
+          <a:chOff x="0" y="0"/>
+          <a:chExt cx="0" cy="0"/>
+        </a:xfrm>
+      </p:grpSpPr>
+      <p:sp>
+        <p:nvSpPr>
+          <p:cNvPr id="2" name="Titel 1">
+            <a:extLst>
+              <a:ext uri="{FF2B5EF4-FFF2-40B4-BE49-F238E27FC236}">
+                <a16:creationId xmlns:a16="http://schemas.microsoft.com/office/drawing/2014/main" id="{2824EFC9-BB73-D9BB-5C38-EADE64218736}"/>
+              </a:ext>
+            </a:extLst>
+          </p:cNvPr>
+          <p:cNvSpPr>
+            <a:spLocks noGrp="1"/>
+          </p:cNvSpPr>
+          <p:nvPr>
+            <p:ph type="title"/>
+          </p:nvPr>
+        </p:nvSpPr>
+        <p:spPr/>
+        <p:txBody>
+          <a:bodyPr/>
+          <a:lstStyle/>
+          <a:p>
+            <a:r>
+              <a:rPr lang="de-DE" dirty="0"/>
+              <a:t>Code Coverage</a:t>
+            </a:r>
+          </a:p>
+        </p:txBody>
+      </p:sp>
+      <p:sp>
+        <p:nvSpPr>
+          <p:cNvPr id="3" name="Inhaltsplatzhalter 2">
+            <a:extLst>
+              <a:ext uri="{FF2B5EF4-FFF2-40B4-BE49-F238E27FC236}">
+                <a16:creationId xmlns:a16="http://schemas.microsoft.com/office/drawing/2014/main" id="{FB97C141-48AC-4734-7F90-30F0830B3593}"/>
+              </a:ext>
+            </a:extLst>
+          </p:cNvPr>
+          <p:cNvSpPr>
+            <a:spLocks noGrp="1"/>
+          </p:cNvSpPr>
+          <p:nvPr>
+            <p:ph sz="quarter" idx="16"/>
+          </p:nvPr>
+        </p:nvSpPr>
+        <p:spPr>
+          <a:xfrm>
+            <a:off x="282224" y="941527"/>
+            <a:ext cx="7055554" cy="4128162"/>
+          </a:xfrm>
+        </p:spPr>
+        <p:txBody>
+          <a:bodyPr/>
+          <a:lstStyle/>
+          <a:p>
+            <a:r>
+              <a:rPr lang="de-DE" dirty="0"/>
+              <a:t>DEMO</a:t>
+            </a:r>
+          </a:p>
+        </p:txBody>
+      </p:sp>
+    </p:spTree>
+    <p:extLst>
+      <p:ext uri="{BB962C8B-B14F-4D97-AF65-F5344CB8AC3E}">
+        <p14:creationId xmlns:p14="http://schemas.microsoft.com/office/powerpoint/2010/main" val="1747864820"/>
+      </p:ext>
+    </p:extLst>
+  </p:cSld>
+  <p:clrMapOvr>
+    <a:masterClrMapping/>
+  </p:clrMapOvr>
+  <mc:AlternateContent xmlns:mc="http://schemas.openxmlformats.org/markup-compatibility/2006" xmlns:p14="http://schemas.microsoft.com/office/powerpoint/2010/main">
+    <mc:Choice Requires="p14">
+      <p:transition spd="med" p14:dur="700">
+        <p:fade/>
+      </p:transition>
+    </mc:Choice>
+    <mc:Fallback xmlns="">
+      <p:transition spd="med">
+        <p:fade/>
+      </p:transition>
+    </mc:Fallback>
+  </mc:AlternateContent>
+</p:sld>
+</file>
+
+<file path=ppt/slides/slide18.xml><?xml version="1.0" encoding="utf-8"?>
 <p:sld xmlns:a="http://schemas.openxmlformats.org/drawingml/2006/main" xmlns:r="http://schemas.openxmlformats.org/officeDocument/2006/relationships" xmlns:p="http://schemas.openxmlformats.org/presentationml/2006/main">
   <p:cSld>
     <p:spTree>
@@ -7624,7 +7847,7 @@
 </p:sld>
 </file>
 
-<file path=ppt/slides/slide17.xml><?xml version="1.0" encoding="utf-8"?>
+<file path=ppt/slides/slide19.xml><?xml version="1.0" encoding="utf-8"?>
 <p:sld xmlns:a="http://schemas.openxmlformats.org/drawingml/2006/main" xmlns:r="http://schemas.openxmlformats.org/officeDocument/2006/relationships" xmlns:p="http://schemas.openxmlformats.org/presentationml/2006/main">
   <p:cSld>
     <p:spTree>
@@ -8192,7 +8415,158 @@
 </p:sld>
 </file>
 
-<file path=ppt/slides/slide18.xml><?xml version="1.0" encoding="utf-8"?>
+<file path=ppt/slides/slide2.xml><?xml version="1.0" encoding="utf-8"?>
+<p:sld xmlns:a="http://schemas.openxmlformats.org/drawingml/2006/main" xmlns:r="http://schemas.openxmlformats.org/officeDocument/2006/relationships" xmlns:p="http://schemas.openxmlformats.org/presentationml/2006/main">
+  <p:cSld>
+    <p:spTree>
+      <p:nvGrpSpPr>
+        <p:cNvPr id="1" name=""/>
+        <p:cNvGrpSpPr/>
+        <p:nvPr/>
+      </p:nvGrpSpPr>
+      <p:grpSpPr>
+        <a:xfrm>
+          <a:off x="0" y="0"/>
+          <a:ext cx="0" cy="0"/>
+          <a:chOff x="0" y="0"/>
+          <a:chExt cx="0" cy="0"/>
+        </a:xfrm>
+      </p:grpSpPr>
+      <p:sp>
+        <p:nvSpPr>
+          <p:cNvPr id="2" name="Titel 1"/>
+          <p:cNvSpPr>
+            <a:spLocks noGrp="1"/>
+          </p:cNvSpPr>
+          <p:nvPr>
+            <p:ph type="title"/>
+          </p:nvPr>
+        </p:nvSpPr>
+        <p:spPr/>
+        <p:txBody>
+          <a:bodyPr>
+            <a:normAutofit/>
+          </a:bodyPr>
+          <a:lstStyle/>
+          <a:p>
+            <a:r>
+              <a:rPr lang="de-DE"/>
+              <a:t>Agenda</a:t>
+            </a:r>
+            <a:endParaRPr lang="de-DE" dirty="0"/>
+          </a:p>
+        </p:txBody>
+      </p:sp>
+      <p:sp>
+        <p:nvSpPr>
+          <p:cNvPr id="3" name="Inhaltsplatzhalter 2"/>
+          <p:cNvSpPr>
+            <a:spLocks noGrp="1"/>
+          </p:cNvSpPr>
+          <p:nvPr>
+            <p:ph sz="quarter" idx="16"/>
+          </p:nvPr>
+        </p:nvSpPr>
+        <p:spPr/>
+        <p:txBody>
+          <a:bodyPr/>
+          <a:lstStyle/>
+          <a:p>
+            <a:r>
+              <a:rPr lang="de-DE" dirty="0"/>
+              <a:t>Grundkonzept Unit </a:t>
+            </a:r>
+            <a:r>
+              <a:rPr lang="de-DE" dirty="0" err="1"/>
+              <a:t>Testing</a:t>
+            </a:r>
+            <a:r>
+              <a:rPr lang="de-DE" dirty="0"/>
+              <a:t> </a:t>
+            </a:r>
+          </a:p>
+          <a:p>
+            <a:pPr lvl="1"/>
+            <a:r>
+              <a:rPr lang="de-DE" dirty="0"/>
+              <a:t>Aufbau einer Testklasse</a:t>
+            </a:r>
+          </a:p>
+          <a:p>
+            <a:pPr lvl="1"/>
+            <a:r>
+              <a:rPr lang="de-DE" dirty="0"/>
+              <a:t>Testabdeckung</a:t>
+            </a:r>
+          </a:p>
+          <a:p>
+            <a:pPr lvl="0"/>
+            <a:r>
+              <a:rPr lang="de-DE" dirty="0"/>
+              <a:t>Wann schreiben wir Tests?</a:t>
+            </a:r>
+          </a:p>
+          <a:p>
+            <a:pPr lvl="1"/>
+            <a:r>
+              <a:rPr lang="de-DE" dirty="0"/>
+              <a:t>Diskussion</a:t>
+            </a:r>
+          </a:p>
+          <a:p>
+            <a:pPr lvl="0"/>
+            <a:r>
+              <a:rPr lang="de-DE" dirty="0" err="1"/>
+              <a:t>Mocking</a:t>
+            </a:r>
+            <a:r>
+              <a:rPr lang="de-DE" dirty="0"/>
+              <a:t> - </a:t>
+            </a:r>
+            <a:r>
+              <a:rPr lang="de-DE" dirty="0" err="1"/>
+              <a:t>Moq</a:t>
+            </a:r>
+            <a:endParaRPr lang="de-DE" dirty="0"/>
+          </a:p>
+          <a:p>
+            <a:pPr lvl="0"/>
+            <a:r>
+              <a:rPr lang="de-DE" dirty="0" err="1"/>
+              <a:t>bUnit</a:t>
+            </a:r>
+            <a:endParaRPr lang="de-DE" dirty="0"/>
+          </a:p>
+          <a:p>
+            <a:pPr lvl="0"/>
+            <a:r>
+              <a:rPr lang="de-DE" dirty="0"/>
+              <a:t>Konkrete Szenarien - Übungen</a:t>
+            </a:r>
+          </a:p>
+        </p:txBody>
+      </p:sp>
+    </p:spTree>
+  </p:cSld>
+  <p:clrMapOvr>
+    <a:masterClrMapping/>
+  </p:clrMapOvr>
+  <mc:AlternateContent xmlns:mc="http://schemas.openxmlformats.org/markup-compatibility/2006" xmlns:p14="http://schemas.microsoft.com/office/powerpoint/2010/main">
+    <mc:Choice Requires="p14">
+      <p:transition spd="med" p14:dur="700">
+        <p:fade/>
+      </p:transition>
+    </mc:Choice>
+    <mc:Fallback xmlns="">
+      <p:transition spd="med">
+        <p:fade/>
+      </p:transition>
+    </mc:Fallback>
+  </mc:AlternateContent>
+</p:sld>
+</file>
+
+<file path=ppt/slides/slide20.xml><?xml version="1.0" encoding="utf-8"?>
 <p:sld xmlns:a="http://schemas.openxmlformats.org/drawingml/2006/main" xmlns:r="http://schemas.openxmlformats.org/officeDocument/2006/relationships" xmlns:p="http://schemas.openxmlformats.org/presentationml/2006/main">
   <p:cSld>
     <p:spTree>
@@ -8270,6 +8644,20 @@
             </a:r>
           </a:p>
           <a:p>
+            <a:pPr lvl="1"/>
+            <a:r>
+              <a:rPr lang="de-DE" dirty="0"/>
+              <a:t>keine Getter/Setter testen</a:t>
+            </a:r>
+          </a:p>
+          <a:p>
+            <a:pPr lvl="1"/>
+            <a:r>
+              <a:rPr lang="de-DE" dirty="0"/>
+              <a:t>keine Frameworks testen (.NET, EF Core, …)</a:t>
+            </a:r>
+          </a:p>
+          <a:p>
             <a:r>
               <a:rPr lang="de-DE" dirty="0"/>
               <a:t>Black- oder Whitebox </a:t>
@@ -8287,33 +8675,47 @@
             <a:pPr lvl="1"/>
             <a:r>
               <a:rPr lang="de-DE" dirty="0"/>
-              <a:t>Whitebox </a:t>
+              <a:t>Kommt drauf an!</a:t>
+            </a:r>
+          </a:p>
+          <a:p>
+            <a:r>
+              <a:rPr lang="de-DE" dirty="0"/>
+              <a:t>Tests schreiben darf nicht die Architektur bestimmen</a:t>
+            </a:r>
+          </a:p>
+          <a:p>
+            <a:r>
+              <a:rPr lang="de-DE" dirty="0"/>
+              <a:t>… Was wollen wir ergänzen?</a:t>
+            </a:r>
+          </a:p>
+          <a:p>
+            <a:r>
+              <a:rPr lang="de-DE" dirty="0"/>
+              <a:t>Kategorisierung in Task Planung (mit </a:t>
             </a:r>
             <a:r>
               <a:rPr lang="de-DE" dirty="0" err="1"/>
-              <a:t>Testing</a:t>
-            </a:r>
-            <a:r>
-              <a:rPr lang="de-DE" dirty="0"/>
-              <a:t>!</a:t>
-            </a:r>
-          </a:p>
-          <a:p>
-            <a:r>
-              <a:rPr lang="de-DE" dirty="0"/>
-              <a:t>Tests schreiben darf nicht die Architektur bestimmen</a:t>
-            </a:r>
-          </a:p>
-          <a:p>
-            <a:r>
-              <a:rPr lang="de-DE" dirty="0"/>
-              <a:t>…</a:t>
-            </a:r>
-          </a:p>
-          <a:p>
-            <a:r>
-              <a:rPr lang="de-DE" dirty="0"/>
-              <a:t>Was wollen wir ergänzen?</a:t>
+              <a:t>DataAnnotations</a:t>
+            </a:r>
+            <a:r>
+              <a:rPr lang="de-DE" dirty="0"/>
+              <a:t>)</a:t>
+            </a:r>
+          </a:p>
+          <a:p>
+            <a:pPr lvl="1"/>
+            <a:r>
+              <a:rPr lang="de-DE" dirty="0"/>
+              <a:t>Muss getestet werden / muss nicht getestet werden</a:t>
+            </a:r>
+          </a:p>
+          <a:p>
+            <a:pPr lvl="1"/>
+            <a:r>
+              <a:rPr lang="de-DE" dirty="0"/>
+              <a:t>Evtl. zukünftig min. Coverage (für best. Bereiche)</a:t>
             </a:r>
           </a:p>
         </p:txBody>
@@ -8642,6 +9044,202 @@
                       </p:childTnLst>
                     </p:cTn>
                   </p:par>
+                  <p:par>
+                    <p:cTn id="27" fill="hold">
+                      <p:stCondLst>
+                        <p:cond delay="indefinite"/>
+                      </p:stCondLst>
+                      <p:childTnLst>
+                        <p:par>
+                          <p:cTn id="28" fill="hold">
+                            <p:stCondLst>
+                              <p:cond delay="0"/>
+                            </p:stCondLst>
+                            <p:childTnLst>
+                              <p:par>
+                                <p:cTn id="29" presetID="1" presetClass="entr" presetSubtype="0" fill="hold" nodeType="clickEffect">
+                                  <p:stCondLst>
+                                    <p:cond delay="0"/>
+                                  </p:stCondLst>
+                                  <p:childTnLst>
+                                    <p:set>
+                                      <p:cBhvr>
+                                        <p:cTn id="30" dur="1" fill="hold">
+                                          <p:stCondLst>
+                                            <p:cond delay="0"/>
+                                          </p:stCondLst>
+                                        </p:cTn>
+                                        <p:tgtEl>
+                                          <p:spTgt spid="3">
+                                            <p:txEl>
+                                              <p:pRg st="6" end="6"/>
+                                            </p:txEl>
+                                          </p:spTgt>
+                                        </p:tgtEl>
+                                        <p:attrNameLst>
+                                          <p:attrName>style.visibility</p:attrName>
+                                        </p:attrNameLst>
+                                      </p:cBhvr>
+                                      <p:to>
+                                        <p:strVal val="visible"/>
+                                      </p:to>
+                                    </p:set>
+                                  </p:childTnLst>
+                                </p:cTn>
+                              </p:par>
+                            </p:childTnLst>
+                          </p:cTn>
+                        </p:par>
+                      </p:childTnLst>
+                    </p:cTn>
+                  </p:par>
+                  <p:par>
+                    <p:cTn id="31" fill="hold">
+                      <p:stCondLst>
+                        <p:cond delay="indefinite"/>
+                      </p:stCondLst>
+                      <p:childTnLst>
+                        <p:par>
+                          <p:cTn id="32" fill="hold">
+                            <p:stCondLst>
+                              <p:cond delay="0"/>
+                            </p:stCondLst>
+                            <p:childTnLst>
+                              <p:par>
+                                <p:cTn id="33" presetID="1" presetClass="entr" presetSubtype="0" fill="hold" nodeType="clickEffect">
+                                  <p:stCondLst>
+                                    <p:cond delay="0"/>
+                                  </p:stCondLst>
+                                  <p:childTnLst>
+                                    <p:set>
+                                      <p:cBhvr>
+                                        <p:cTn id="34" dur="1" fill="hold">
+                                          <p:stCondLst>
+                                            <p:cond delay="0"/>
+                                          </p:stCondLst>
+                                        </p:cTn>
+                                        <p:tgtEl>
+                                          <p:spTgt spid="3">
+                                            <p:txEl>
+                                              <p:pRg st="7" end="7"/>
+                                            </p:txEl>
+                                          </p:spTgt>
+                                        </p:tgtEl>
+                                        <p:attrNameLst>
+                                          <p:attrName>style.visibility</p:attrName>
+                                        </p:attrNameLst>
+                                      </p:cBhvr>
+                                      <p:to>
+                                        <p:strVal val="visible"/>
+                                      </p:to>
+                                    </p:set>
+                                  </p:childTnLst>
+                                </p:cTn>
+                              </p:par>
+                            </p:childTnLst>
+                          </p:cTn>
+                        </p:par>
+                      </p:childTnLst>
+                    </p:cTn>
+                  </p:par>
+                  <p:par>
+                    <p:cTn id="35" fill="hold">
+                      <p:stCondLst>
+                        <p:cond delay="indefinite"/>
+                      </p:stCondLst>
+                      <p:childTnLst>
+                        <p:par>
+                          <p:cTn id="36" fill="hold">
+                            <p:stCondLst>
+                              <p:cond delay="0"/>
+                            </p:stCondLst>
+                            <p:childTnLst>
+                              <p:par>
+                                <p:cTn id="37" presetID="1" presetClass="entr" presetSubtype="0" fill="hold" nodeType="clickEffect">
+                                  <p:stCondLst>
+                                    <p:cond delay="0"/>
+                                  </p:stCondLst>
+                                  <p:childTnLst>
+                                    <p:set>
+                                      <p:cBhvr>
+                                        <p:cTn id="38" dur="1" fill="hold">
+                                          <p:stCondLst>
+                                            <p:cond delay="0"/>
+                                          </p:stCondLst>
+                                        </p:cTn>
+                                        <p:tgtEl>
+                                          <p:spTgt spid="3">
+                                            <p:txEl>
+                                              <p:pRg st="8" end="8"/>
+                                            </p:txEl>
+                                          </p:spTgt>
+                                        </p:tgtEl>
+                                        <p:attrNameLst>
+                                          <p:attrName>style.visibility</p:attrName>
+                                        </p:attrNameLst>
+                                      </p:cBhvr>
+                                      <p:to>
+                                        <p:strVal val="visible"/>
+                                      </p:to>
+                                    </p:set>
+                                  </p:childTnLst>
+                                </p:cTn>
+                              </p:par>
+                            </p:childTnLst>
+                          </p:cTn>
+                        </p:par>
+                      </p:childTnLst>
+                    </p:cTn>
+                  </p:par>
+                  <p:par>
+                    <p:cTn id="39" fill="hold">
+                      <p:stCondLst>
+                        <p:cond delay="indefinite"/>
+                      </p:stCondLst>
+                      <p:childTnLst>
+                        <p:par>
+                          <p:cTn id="40" fill="hold">
+                            <p:stCondLst>
+                              <p:cond delay="0"/>
+                            </p:stCondLst>
+                            <p:childTnLst>
+                              <p:par>
+                                <p:cTn id="41" presetID="1" presetClass="entr" presetSubtype="0" fill="hold" nodeType="clickEffect">
+                                  <p:stCondLst>
+                                    <p:cond delay="0"/>
+                                  </p:stCondLst>
+                                  <p:childTnLst>
+                                    <p:set>
+                                      <p:cBhvr>
+                                        <p:cTn id="42" dur="1" fill="hold">
+                                          <p:stCondLst>
+                                            <p:cond delay="0"/>
+                                          </p:stCondLst>
+                                        </p:cTn>
+                                        <p:tgtEl>
+                                          <p:spTgt spid="3">
+                                            <p:txEl>
+                                              <p:pRg st="9" end="9"/>
+                                            </p:txEl>
+                                          </p:spTgt>
+                                        </p:tgtEl>
+                                        <p:attrNameLst>
+                                          <p:attrName>style.visibility</p:attrName>
+                                        </p:attrNameLst>
+                                      </p:cBhvr>
+                                      <p:to>
+                                        <p:strVal val="visible"/>
+                                      </p:to>
+                                    </p:set>
+                                  </p:childTnLst>
+                                </p:cTn>
+                              </p:par>
+                            </p:childTnLst>
+                          </p:cTn>
+                        </p:par>
+                      </p:childTnLst>
+                    </p:cTn>
+                  </p:par>
                 </p:childTnLst>
               </p:cTn>
               <p:prevCondLst>
@@ -8667,7 +9265,7 @@
 </p:sld>
 </file>
 
-<file path=ppt/slides/slide19.xml><?xml version="1.0" encoding="utf-8"?>
+<file path=ppt/slides/slide21.xml><?xml version="1.0" encoding="utf-8"?>
 <p:sld xmlns:a="http://schemas.openxmlformats.org/drawingml/2006/main" xmlns:r="http://schemas.openxmlformats.org/officeDocument/2006/relationships" xmlns:p="http://schemas.openxmlformats.org/presentationml/2006/main">
   <p:cSld>
     <p:spTree>
@@ -8907,158 +9505,7 @@
 </p:sld>
 </file>
 
-<file path=ppt/slides/slide2.xml><?xml version="1.0" encoding="utf-8"?>
-<p:sld xmlns:a="http://schemas.openxmlformats.org/drawingml/2006/main" xmlns:r="http://schemas.openxmlformats.org/officeDocument/2006/relationships" xmlns:p="http://schemas.openxmlformats.org/presentationml/2006/main">
-  <p:cSld>
-    <p:spTree>
-      <p:nvGrpSpPr>
-        <p:cNvPr id="1" name=""/>
-        <p:cNvGrpSpPr/>
-        <p:nvPr/>
-      </p:nvGrpSpPr>
-      <p:grpSpPr>
-        <a:xfrm>
-          <a:off x="0" y="0"/>
-          <a:ext cx="0" cy="0"/>
-          <a:chOff x="0" y="0"/>
-          <a:chExt cx="0" cy="0"/>
-        </a:xfrm>
-      </p:grpSpPr>
-      <p:sp>
-        <p:nvSpPr>
-          <p:cNvPr id="2" name="Titel 1"/>
-          <p:cNvSpPr>
-            <a:spLocks noGrp="1"/>
-          </p:cNvSpPr>
-          <p:nvPr>
-            <p:ph type="title"/>
-          </p:nvPr>
-        </p:nvSpPr>
-        <p:spPr/>
-        <p:txBody>
-          <a:bodyPr>
-            <a:normAutofit/>
-          </a:bodyPr>
-          <a:lstStyle/>
-          <a:p>
-            <a:r>
-              <a:rPr lang="de-DE"/>
-              <a:t>Agenda</a:t>
-            </a:r>
-            <a:endParaRPr lang="de-DE" dirty="0"/>
-          </a:p>
-        </p:txBody>
-      </p:sp>
-      <p:sp>
-        <p:nvSpPr>
-          <p:cNvPr id="3" name="Inhaltsplatzhalter 2"/>
-          <p:cNvSpPr>
-            <a:spLocks noGrp="1"/>
-          </p:cNvSpPr>
-          <p:nvPr>
-            <p:ph sz="quarter" idx="16"/>
-          </p:nvPr>
-        </p:nvSpPr>
-        <p:spPr/>
-        <p:txBody>
-          <a:bodyPr/>
-          <a:lstStyle/>
-          <a:p>
-            <a:r>
-              <a:rPr lang="de-DE" dirty="0"/>
-              <a:t>Grundkonzept Unit </a:t>
-            </a:r>
-            <a:r>
-              <a:rPr lang="de-DE" dirty="0" err="1"/>
-              <a:t>Testing</a:t>
-            </a:r>
-            <a:r>
-              <a:rPr lang="de-DE" dirty="0"/>
-              <a:t> </a:t>
-            </a:r>
-          </a:p>
-          <a:p>
-            <a:pPr lvl="1"/>
-            <a:r>
-              <a:rPr lang="de-DE" dirty="0"/>
-              <a:t>Aufbau einer Testklasse</a:t>
-            </a:r>
-          </a:p>
-          <a:p>
-            <a:pPr lvl="1"/>
-            <a:r>
-              <a:rPr lang="de-DE" dirty="0"/>
-              <a:t>Testabdeckung</a:t>
-            </a:r>
-          </a:p>
-          <a:p>
-            <a:pPr lvl="0"/>
-            <a:r>
-              <a:rPr lang="de-DE" dirty="0"/>
-              <a:t>Wann schreiben wir Tests?</a:t>
-            </a:r>
-          </a:p>
-          <a:p>
-            <a:pPr lvl="1"/>
-            <a:r>
-              <a:rPr lang="de-DE" dirty="0"/>
-              <a:t>Diskussion</a:t>
-            </a:r>
-          </a:p>
-          <a:p>
-            <a:pPr lvl="0"/>
-            <a:r>
-              <a:rPr lang="de-DE" dirty="0" err="1"/>
-              <a:t>Mocking</a:t>
-            </a:r>
-            <a:r>
-              <a:rPr lang="de-DE" dirty="0"/>
-              <a:t> - </a:t>
-            </a:r>
-            <a:r>
-              <a:rPr lang="de-DE" dirty="0" err="1"/>
-              <a:t>Moq</a:t>
-            </a:r>
-            <a:endParaRPr lang="de-DE" dirty="0"/>
-          </a:p>
-          <a:p>
-            <a:pPr lvl="0"/>
-            <a:r>
-              <a:rPr lang="de-DE" dirty="0" err="1"/>
-              <a:t>bUnit</a:t>
-            </a:r>
-            <a:endParaRPr lang="de-DE" dirty="0"/>
-          </a:p>
-          <a:p>
-            <a:pPr lvl="0"/>
-            <a:r>
-              <a:rPr lang="de-DE" dirty="0"/>
-              <a:t>Konkrete Szenarien - Übungen</a:t>
-            </a:r>
-          </a:p>
-        </p:txBody>
-      </p:sp>
-    </p:spTree>
-  </p:cSld>
-  <p:clrMapOvr>
-    <a:masterClrMapping/>
-  </p:clrMapOvr>
-  <mc:AlternateContent xmlns:mc="http://schemas.openxmlformats.org/markup-compatibility/2006" xmlns:p14="http://schemas.microsoft.com/office/powerpoint/2010/main">
-    <mc:Choice Requires="p14">
-      <p:transition spd="med" p14:dur="700">
-        <p:fade/>
-      </p:transition>
-    </mc:Choice>
-    <mc:Fallback xmlns="">
-      <p:transition spd="med">
-        <p:fade/>
-      </p:transition>
-    </mc:Fallback>
-  </mc:AlternateContent>
-</p:sld>
-</file>
-
-<file path=ppt/slides/slide20.xml><?xml version="1.0" encoding="utf-8"?>
+<file path=ppt/slides/slide22.xml><?xml version="1.0" encoding="utf-8"?>
 <p:sld xmlns:a="http://schemas.openxmlformats.org/drawingml/2006/main" xmlns:r="http://schemas.openxmlformats.org/officeDocument/2006/relationships" xmlns:p="http://schemas.openxmlformats.org/presentationml/2006/main">
   <p:cSld>
     <p:spTree>
@@ -9152,7 +9599,7 @@
 </p:sld>
 </file>
 
-<file path=ppt/slides/slide21.xml><?xml version="1.0" encoding="utf-8"?>
+<file path=ppt/slides/slide23.xml><?xml version="1.0" encoding="utf-8"?>
 <p:sld xmlns:a="http://schemas.openxmlformats.org/drawingml/2006/main" xmlns:r="http://schemas.openxmlformats.org/officeDocument/2006/relationships" xmlns:p="http://schemas.openxmlformats.org/presentationml/2006/main">
   <p:cSld>
     <p:spTree>
@@ -9281,7 +9728,7 @@
 </p:sld>
 </file>
 
-<file path=ppt/slides/slide22.xml><?xml version="1.0" encoding="utf-8"?>
+<file path=ppt/slides/slide24.xml><?xml version="1.0" encoding="utf-8"?>
 <p:sld xmlns:a="http://schemas.openxmlformats.org/drawingml/2006/main" xmlns:r="http://schemas.openxmlformats.org/officeDocument/2006/relationships" xmlns:p="http://schemas.openxmlformats.org/presentationml/2006/main">
   <p:cSld>
     <p:spTree>
@@ -9842,7 +10289,7 @@
 </p:sld>
 </file>
 
-<file path=ppt/slides/slide23.xml><?xml version="1.0" encoding="utf-8"?>
+<file path=ppt/slides/slide25.xml><?xml version="1.0" encoding="utf-8"?>
 <p:sld xmlns:a="http://schemas.openxmlformats.org/drawingml/2006/main" xmlns:r="http://schemas.openxmlformats.org/officeDocument/2006/relationships" xmlns:p="http://schemas.openxmlformats.org/presentationml/2006/main">
   <p:cSld>
     <p:spTree>
@@ -9925,7 +10372,7 @@
 </p:sld>
 </file>
 
-<file path=ppt/slides/slide24.xml><?xml version="1.0" encoding="utf-8"?>
+<file path=ppt/slides/slide26.xml><?xml version="1.0" encoding="utf-8"?>
 <p:sld xmlns:a="http://schemas.openxmlformats.org/drawingml/2006/main" xmlns:r="http://schemas.openxmlformats.org/officeDocument/2006/relationships" xmlns:p="http://schemas.openxmlformats.org/presentationml/2006/main">
   <p:cSld>
     <p:spTree>
@@ -10055,7 +10502,7 @@
 </p:sld>
 </file>
 
-<file path=ppt/slides/slide25.xml><?xml version="1.0" encoding="utf-8"?>
+<file path=ppt/slides/slide27.xml><?xml version="1.0" encoding="utf-8"?>
 <p:sld xmlns:a="http://schemas.openxmlformats.org/drawingml/2006/main" xmlns:r="http://schemas.openxmlformats.org/officeDocument/2006/relationships" xmlns:p="http://schemas.openxmlformats.org/presentationml/2006/main">
   <p:cSld>
     <p:spTree>
@@ -10170,360 +10617,6 @@
 </p:sld>
 </file>
 
-<file path=ppt/slides/slide26.xml><?xml version="1.0" encoding="utf-8"?>
-<p:sld xmlns:a="http://schemas.openxmlformats.org/drawingml/2006/main" xmlns:r="http://schemas.openxmlformats.org/officeDocument/2006/relationships" xmlns:p="http://schemas.openxmlformats.org/presentationml/2006/main">
-  <p:cSld>
-    <p:spTree>
-      <p:nvGrpSpPr>
-        <p:cNvPr id="1" name=""/>
-        <p:cNvGrpSpPr/>
-        <p:nvPr/>
-      </p:nvGrpSpPr>
-      <p:grpSpPr>
-        <a:xfrm>
-          <a:off x="0" y="0"/>
-          <a:ext cx="0" cy="0"/>
-          <a:chOff x="0" y="0"/>
-          <a:chExt cx="0" cy="0"/>
-        </a:xfrm>
-      </p:grpSpPr>
-      <p:sp>
-        <p:nvSpPr>
-          <p:cNvPr id="2" name="Titel 1">
-            <a:extLst>
-              <a:ext uri="{FF2B5EF4-FFF2-40B4-BE49-F238E27FC236}">
-                <a16:creationId xmlns:a16="http://schemas.microsoft.com/office/drawing/2014/main" id="{92831E5E-1389-4C96-96F7-D476DEFA0145}"/>
-              </a:ext>
-            </a:extLst>
-          </p:cNvPr>
-          <p:cNvSpPr>
-            <a:spLocks noGrp="1"/>
-          </p:cNvSpPr>
-          <p:nvPr>
-            <p:ph type="ctrTitle"/>
-          </p:nvPr>
-        </p:nvSpPr>
-        <p:spPr/>
-        <p:txBody>
-          <a:bodyPr>
-            <a:normAutofit/>
-          </a:bodyPr>
-          <a:lstStyle/>
-          <a:p>
-            <a:r>
-              <a:rPr lang="de-DE" dirty="0" err="1"/>
-              <a:t>Mocking</a:t>
-            </a:r>
-            <a:r>
-              <a:rPr lang="de-DE" dirty="0"/>
-              <a:t> von einfachen Units</a:t>
-            </a:r>
-          </a:p>
-        </p:txBody>
-      </p:sp>
-      <p:sp>
-        <p:nvSpPr>
-          <p:cNvPr id="3" name="Untertitel 2">
-            <a:extLst>
-              <a:ext uri="{FF2B5EF4-FFF2-40B4-BE49-F238E27FC236}">
-                <a16:creationId xmlns:a16="http://schemas.microsoft.com/office/drawing/2014/main" id="{A7708BEA-66A6-4831-A178-AC490651D145}"/>
-              </a:ext>
-            </a:extLst>
-          </p:cNvPr>
-          <p:cNvSpPr>
-            <a:spLocks noGrp="1"/>
-          </p:cNvSpPr>
-          <p:nvPr>
-            <p:ph type="subTitle" idx="1"/>
-          </p:nvPr>
-        </p:nvSpPr>
-        <p:spPr/>
-        <p:txBody>
-          <a:bodyPr/>
-          <a:lstStyle/>
-          <a:p>
-            <a:endParaRPr lang="de-DE"/>
-          </a:p>
-        </p:txBody>
-      </p:sp>
-    </p:spTree>
-    <p:extLst>
-      <p:ext uri="{BB962C8B-B14F-4D97-AF65-F5344CB8AC3E}">
-        <p14:creationId xmlns:p14="http://schemas.microsoft.com/office/powerpoint/2010/main" val="2007169250"/>
-      </p:ext>
-    </p:extLst>
-  </p:cSld>
-  <p:clrMapOvr>
-    <a:masterClrMapping/>
-  </p:clrMapOvr>
-</p:sld>
-</file>
-
-<file path=ppt/slides/slide27.xml><?xml version="1.0" encoding="utf-8"?>
-<p:sld xmlns:a="http://schemas.openxmlformats.org/drawingml/2006/main" xmlns:r="http://schemas.openxmlformats.org/officeDocument/2006/relationships" xmlns:p="http://schemas.openxmlformats.org/presentationml/2006/main">
-  <p:cSld>
-    <p:spTree>
-      <p:nvGrpSpPr>
-        <p:cNvPr id="1" name=""/>
-        <p:cNvGrpSpPr/>
-        <p:nvPr/>
-      </p:nvGrpSpPr>
-      <p:grpSpPr>
-        <a:xfrm>
-          <a:off x="0" y="0"/>
-          <a:ext cx="0" cy="0"/>
-          <a:chOff x="0" y="0"/>
-          <a:chExt cx="0" cy="0"/>
-        </a:xfrm>
-      </p:grpSpPr>
-      <p:sp>
-        <p:nvSpPr>
-          <p:cNvPr id="4" name="Titel 3">
-            <a:extLst>
-              <a:ext uri="{FF2B5EF4-FFF2-40B4-BE49-F238E27FC236}">
-                <a16:creationId xmlns:a16="http://schemas.microsoft.com/office/drawing/2014/main" id="{474A1EB7-C8C7-4FFF-ACD5-0235694578A4}"/>
-              </a:ext>
-            </a:extLst>
-          </p:cNvPr>
-          <p:cNvSpPr>
-            <a:spLocks noGrp="1"/>
-          </p:cNvSpPr>
-          <p:nvPr>
-            <p:ph type="title"/>
-          </p:nvPr>
-        </p:nvSpPr>
-        <p:spPr/>
-        <p:txBody>
-          <a:bodyPr/>
-          <a:lstStyle/>
-          <a:p>
-            <a:r>
-              <a:rPr lang="de-DE" dirty="0"/>
-              <a:t>Erstellen eines Mock Objekts</a:t>
-            </a:r>
-          </a:p>
-        </p:txBody>
-      </p:sp>
-      <p:sp>
-        <p:nvSpPr>
-          <p:cNvPr id="5" name="Inhaltsplatzhalter 4">
-            <a:extLst>
-              <a:ext uri="{FF2B5EF4-FFF2-40B4-BE49-F238E27FC236}">
-                <a16:creationId xmlns:a16="http://schemas.microsoft.com/office/drawing/2014/main" id="{240063EB-2B18-4E0A-B8B7-207A12B02432}"/>
-              </a:ext>
-            </a:extLst>
-          </p:cNvPr>
-          <p:cNvSpPr>
-            <a:spLocks noGrp="1"/>
-          </p:cNvSpPr>
-          <p:nvPr>
-            <p:ph sz="quarter" idx="16"/>
-          </p:nvPr>
-        </p:nvSpPr>
-        <p:spPr/>
-        <p:txBody>
-          <a:bodyPr/>
-          <a:lstStyle/>
-          <a:p>
-            <a:r>
-              <a:rPr lang="de-DE" dirty="0"/>
-              <a:t>Erzeugen mit dem </a:t>
-            </a:r>
-            <a:r>
-              <a:rPr lang="de-DE" dirty="0" err="1"/>
-              <a:t>Moq-Framwork</a:t>
-            </a:r>
-            <a:r>
-              <a:rPr lang="de-DE" dirty="0"/>
-              <a:t> einer Hülle:</a:t>
-            </a:r>
-          </a:p>
-          <a:p>
-            <a:endParaRPr lang="de-DE" dirty="0"/>
-          </a:p>
-          <a:p>
-            <a:endParaRPr lang="de-DE" dirty="0"/>
-          </a:p>
-          <a:p>
-            <a:endParaRPr lang="de-DE" dirty="0"/>
-          </a:p>
-          <a:p>
-            <a:endParaRPr lang="de-DE" dirty="0"/>
-          </a:p>
-          <a:p>
-            <a:r>
-              <a:rPr lang="de-DE" dirty="0"/>
-              <a:t>Aus der Hülle ein konkretes Objekt ermitteln</a:t>
-            </a:r>
-          </a:p>
-        </p:txBody>
-      </p:sp>
-      <p:sp>
-        <p:nvSpPr>
-          <p:cNvPr id="6" name="Textfeld 5">
-            <a:extLst>
-              <a:ext uri="{FF2B5EF4-FFF2-40B4-BE49-F238E27FC236}">
-                <a16:creationId xmlns:a16="http://schemas.microsoft.com/office/drawing/2014/main" id="{D0B8226C-F3A9-44B3-932E-2EC7DC9A5BBB}"/>
-              </a:ext>
-            </a:extLst>
-          </p:cNvPr>
-          <p:cNvSpPr txBox="1"/>
-          <p:nvPr/>
-        </p:nvSpPr>
-        <p:spPr>
-          <a:xfrm>
-            <a:off x="929680" y="1705372"/>
-            <a:ext cx="3063659" cy="631135"/>
-          </a:xfrm>
-          <a:prstGeom prst="rect">
-            <a:avLst/>
-          </a:prstGeom>
-        </p:spPr>
-        <p:style>
-          <a:lnRef idx="1">
-            <a:schemeClr val="accent3"/>
-          </a:lnRef>
-          <a:fillRef idx="2">
-            <a:schemeClr val="accent3"/>
-          </a:fillRef>
-          <a:effectRef idx="1">
-            <a:schemeClr val="accent3"/>
-          </a:effectRef>
-          <a:fontRef idx="minor">
-            <a:schemeClr val="dk1"/>
-          </a:fontRef>
-        </p:style>
-        <p:txBody>
-          <a:bodyPr wrap="none" rtlCol="0">
-            <a:spAutoFit/>
-          </a:bodyPr>
-          <a:lstStyle/>
-          <a:p>
-            <a:endParaRPr lang="de-DE" sz="1167" dirty="0"/>
-          </a:p>
-          <a:p>
-            <a:r>
-              <a:rPr lang="de-DE" sz="1167" dirty="0" err="1"/>
-              <a:t>var</a:t>
-            </a:r>
-            <a:r>
-              <a:rPr lang="de-DE" sz="1167" dirty="0"/>
-              <a:t> </a:t>
-            </a:r>
-            <a:r>
-              <a:rPr lang="de-DE" sz="1167" dirty="0" err="1"/>
-              <a:t>mock</a:t>
-            </a:r>
-            <a:r>
-              <a:rPr lang="de-DE" sz="1167" dirty="0"/>
-              <a:t> = </a:t>
-            </a:r>
-            <a:r>
-              <a:rPr lang="de-DE" sz="1167" dirty="0" err="1"/>
-              <a:t>new</a:t>
-            </a:r>
-            <a:r>
-              <a:rPr lang="de-DE" sz="1167" dirty="0"/>
-              <a:t> Mock&lt;</a:t>
-            </a:r>
-            <a:r>
-              <a:rPr lang="de-DE" sz="1167" dirty="0" err="1"/>
-              <a:t>MeineBussinessClass</a:t>
-            </a:r>
-            <a:r>
-              <a:rPr lang="de-DE" sz="1167" dirty="0"/>
-              <a:t>&gt;();</a:t>
-            </a:r>
-          </a:p>
-          <a:p>
-            <a:endParaRPr lang="de-DE" sz="1167" dirty="0"/>
-          </a:p>
-        </p:txBody>
-      </p:sp>
-      <p:sp>
-        <p:nvSpPr>
-          <p:cNvPr id="7" name="Textfeld 6">
-            <a:extLst>
-              <a:ext uri="{FF2B5EF4-FFF2-40B4-BE49-F238E27FC236}">
-                <a16:creationId xmlns:a16="http://schemas.microsoft.com/office/drawing/2014/main" id="{08460005-3090-4ECE-9C45-2E296273F34A}"/>
-              </a:ext>
-            </a:extLst>
-          </p:cNvPr>
-          <p:cNvSpPr txBox="1"/>
-          <p:nvPr/>
-        </p:nvSpPr>
-        <p:spPr>
-          <a:xfrm>
-            <a:off x="924341" y="3505572"/>
-            <a:ext cx="2877711" cy="631135"/>
-          </a:xfrm>
-          <a:prstGeom prst="rect">
-            <a:avLst/>
-          </a:prstGeom>
-        </p:spPr>
-        <p:style>
-          <a:lnRef idx="1">
-            <a:schemeClr val="accent3"/>
-          </a:lnRef>
-          <a:fillRef idx="2">
-            <a:schemeClr val="accent3"/>
-          </a:fillRef>
-          <a:effectRef idx="1">
-            <a:schemeClr val="accent3"/>
-          </a:effectRef>
-          <a:fontRef idx="minor">
-            <a:schemeClr val="dk1"/>
-          </a:fontRef>
-        </p:style>
-        <p:txBody>
-          <a:bodyPr wrap="none" rtlCol="0">
-            <a:spAutoFit/>
-          </a:bodyPr>
-          <a:lstStyle/>
-          <a:p>
-            <a:endParaRPr lang="de-DE" sz="1167" dirty="0"/>
-          </a:p>
-          <a:p>
-            <a:r>
-              <a:rPr lang="de-DE" sz="1167" dirty="0" err="1"/>
-              <a:t>MeineBusinessClass</a:t>
-            </a:r>
-            <a:r>
-              <a:rPr lang="de-DE" sz="1167" dirty="0"/>
-              <a:t>  </a:t>
-            </a:r>
-            <a:r>
-              <a:rPr lang="de-DE" sz="1167" dirty="0" err="1"/>
-              <a:t>myObj</a:t>
-            </a:r>
-            <a:r>
-              <a:rPr lang="de-DE" sz="1167" dirty="0"/>
-              <a:t> =  </a:t>
-            </a:r>
-            <a:r>
-              <a:rPr lang="de-DE" sz="1167" dirty="0" err="1"/>
-              <a:t>mock.Object</a:t>
-            </a:r>
-            <a:endParaRPr lang="de-DE" sz="1167" dirty="0"/>
-          </a:p>
-          <a:p>
-            <a:endParaRPr lang="de-DE" sz="1167" dirty="0"/>
-          </a:p>
-        </p:txBody>
-      </p:sp>
-    </p:spTree>
-    <p:extLst>
-      <p:ext uri="{BB962C8B-B14F-4D97-AF65-F5344CB8AC3E}">
-        <p14:creationId xmlns:p14="http://schemas.microsoft.com/office/powerpoint/2010/main" val="5452868"/>
-      </p:ext>
-    </p:extLst>
-  </p:cSld>
-  <p:clrMapOvr>
-    <a:masterClrMapping/>
-  </p:clrMapOvr>
-</p:sld>
-</file>
-
 <file path=ppt/slides/slide28.xml><?xml version="1.0" encoding="utf-8"?>
 <p:sld xmlns:a="http://schemas.openxmlformats.org/drawingml/2006/main" xmlns:r="http://schemas.openxmlformats.org/officeDocument/2006/relationships" xmlns:p="http://schemas.openxmlformats.org/presentationml/2006/main">
   <p:cSld>
@@ -10546,7 +10639,7 @@
           <p:cNvPr id="2" name="Titel 1">
             <a:extLst>
               <a:ext uri="{FF2B5EF4-FFF2-40B4-BE49-F238E27FC236}">
-                <a16:creationId xmlns:a16="http://schemas.microsoft.com/office/drawing/2014/main" id="{760C86A1-E739-4AD2-8EE3-F2CD3DD760CB}"/>
+                <a16:creationId xmlns:a16="http://schemas.microsoft.com/office/drawing/2014/main" id="{92831E5E-1389-4C96-96F7-D476DEFA0145}"/>
               </a:ext>
             </a:extLst>
           </p:cNvPr>
@@ -10554,217 +10647,56 @@
             <a:spLocks noGrp="1"/>
           </p:cNvSpPr>
           <p:nvPr>
-            <p:ph type="title"/>
+            <p:ph type="ctrTitle"/>
           </p:nvPr>
         </p:nvSpPr>
         <p:spPr/>
         <p:txBody>
-          <a:bodyPr/>
+          <a:bodyPr>
+            <a:normAutofit/>
+          </a:bodyPr>
           <a:lstStyle/>
           <a:p>
             <a:r>
-              <a:rPr lang="de-DE" dirty="0"/>
-              <a:t>Regeln für Eigenschaften</a:t>
-            </a:r>
-          </a:p>
-        </p:txBody>
-      </p:sp>
-      <p:sp>
-        <p:nvSpPr>
-          <p:cNvPr id="4" name="Textfeld 3">
+              <a:rPr lang="de-DE" dirty="0" err="1"/>
+              <a:t>Mocking</a:t>
+            </a:r>
+            <a:r>
+              <a:rPr lang="de-DE" dirty="0"/>
+              <a:t> von einfachen Units</a:t>
+            </a:r>
+          </a:p>
+        </p:txBody>
+      </p:sp>
+      <p:sp>
+        <p:nvSpPr>
+          <p:cNvPr id="3" name="Untertitel 2">
             <a:extLst>
               <a:ext uri="{FF2B5EF4-FFF2-40B4-BE49-F238E27FC236}">
-                <a16:creationId xmlns:a16="http://schemas.microsoft.com/office/drawing/2014/main" id="{D18454C4-037A-4235-AA81-85AF4970ED7D}"/>
+                <a16:creationId xmlns:a16="http://schemas.microsoft.com/office/drawing/2014/main" id="{A7708BEA-66A6-4831-A178-AC490651D145}"/>
               </a:ext>
             </a:extLst>
           </p:cNvPr>
-          <p:cNvSpPr txBox="1"/>
-          <p:nvPr/>
-        </p:nvSpPr>
-        <p:spPr>
-          <a:xfrm>
-            <a:off x="569640" y="1273324"/>
-            <a:ext cx="3598486" cy="1384995"/>
-          </a:xfrm>
-          <a:prstGeom prst="rect">
-            <a:avLst/>
-          </a:prstGeom>
-        </p:spPr>
-        <p:style>
-          <a:lnRef idx="1">
-            <a:schemeClr val="accent3"/>
-          </a:lnRef>
-          <a:fillRef idx="2">
-            <a:schemeClr val="accent3"/>
-          </a:fillRef>
-          <a:effectRef idx="1">
-            <a:schemeClr val="accent3"/>
-          </a:effectRef>
-          <a:fontRef idx="minor">
-            <a:schemeClr val="dk1"/>
-          </a:fontRef>
-        </p:style>
-        <p:txBody>
-          <a:bodyPr wrap="none" rtlCol="0">
-            <a:spAutoFit/>
-          </a:bodyPr>
+          <p:cNvSpPr>
+            <a:spLocks noGrp="1"/>
+          </p:cNvSpPr>
+          <p:nvPr>
+            <p:ph type="subTitle" idx="1"/>
+          </p:nvPr>
+        </p:nvSpPr>
+        <p:spPr/>
+        <p:txBody>
+          <a:bodyPr/>
           <a:lstStyle/>
           <a:p>
-            <a:r>
-              <a:rPr lang="de-DE" sz="1400" dirty="0" err="1"/>
-              <a:t>public</a:t>
-            </a:r>
-            <a:r>
-              <a:rPr lang="de-DE" sz="1400" dirty="0"/>
-              <a:t> </a:t>
-            </a:r>
-            <a:r>
-              <a:rPr lang="de-DE" sz="1400" dirty="0" err="1"/>
-              <a:t>class</a:t>
-            </a:r>
-            <a:r>
-              <a:rPr lang="de-DE" sz="1400" dirty="0"/>
-              <a:t> Person</a:t>
-            </a:r>
-          </a:p>
-          <a:p>
-            <a:r>
-              <a:rPr lang="de-DE" sz="1400" dirty="0"/>
-              <a:t>{</a:t>
-            </a:r>
-          </a:p>
-          <a:p>
-            <a:r>
-              <a:rPr lang="en-US" sz="1400" dirty="0"/>
-              <a:t>        public virtual int ID { get; set; }</a:t>
-            </a:r>
-          </a:p>
-          <a:p>
-            <a:r>
-              <a:rPr lang="en-US" sz="1400" dirty="0"/>
-              <a:t>        public virtual string </a:t>
-            </a:r>
-            <a:r>
-              <a:rPr lang="en-US" sz="1400" dirty="0" err="1"/>
-              <a:t>Vorname</a:t>
-            </a:r>
-            <a:r>
-              <a:rPr lang="en-US" sz="1400" dirty="0"/>
-              <a:t> { get; set; }</a:t>
-            </a:r>
-          </a:p>
-          <a:p>
-            <a:r>
-              <a:rPr lang="en-US" sz="1400" dirty="0"/>
-              <a:t>        public virtual string </a:t>
-            </a:r>
-            <a:r>
-              <a:rPr lang="en-US" sz="1400" dirty="0" err="1"/>
-              <a:t>Nachname</a:t>
-            </a:r>
-            <a:r>
-              <a:rPr lang="en-US" sz="1400" dirty="0"/>
-              <a:t> { get; set; }</a:t>
-            </a:r>
-            <a:r>
-              <a:rPr lang="de-DE" sz="1400" dirty="0"/>
-              <a:t> </a:t>
-            </a:r>
-          </a:p>
-          <a:p>
-            <a:r>
-              <a:rPr lang="de-DE" sz="1400" dirty="0"/>
-              <a:t>}</a:t>
-            </a:r>
-            <a:endParaRPr lang="de-DE" sz="1050" dirty="0"/>
-          </a:p>
-        </p:txBody>
-      </p:sp>
-      <p:sp>
-        <p:nvSpPr>
-          <p:cNvPr id="5" name="Textfeld 4">
-            <a:extLst>
-              <a:ext uri="{FF2B5EF4-FFF2-40B4-BE49-F238E27FC236}">
-                <a16:creationId xmlns:a16="http://schemas.microsoft.com/office/drawing/2014/main" id="{8BF7494C-9092-45FD-BFB1-6D7AF9B8A9D8}"/>
-              </a:ext>
-            </a:extLst>
-          </p:cNvPr>
-          <p:cNvSpPr txBox="1"/>
-          <p:nvPr/>
-        </p:nvSpPr>
-        <p:spPr>
-          <a:xfrm>
-            <a:off x="2513856" y="3433564"/>
-            <a:ext cx="4286110" cy="738664"/>
-          </a:xfrm>
-          <a:prstGeom prst="rect">
-            <a:avLst/>
-          </a:prstGeom>
-        </p:spPr>
-        <p:style>
-          <a:lnRef idx="1">
-            <a:schemeClr val="accent3"/>
-          </a:lnRef>
-          <a:fillRef idx="2">
-            <a:schemeClr val="accent3"/>
-          </a:fillRef>
-          <a:effectRef idx="1">
-            <a:schemeClr val="accent3"/>
-          </a:effectRef>
-          <a:fontRef idx="minor">
-            <a:schemeClr val="dk1"/>
-          </a:fontRef>
-        </p:style>
-        <p:txBody>
-          <a:bodyPr wrap="none" rtlCol="0">
-            <a:spAutoFit/>
-          </a:bodyPr>
-          <a:lstStyle/>
-          <a:p>
-            <a:endParaRPr lang="de-DE" sz="1400" dirty="0"/>
-          </a:p>
-          <a:p>
-            <a:r>
-              <a:rPr lang="de-DE" sz="1400" dirty="0" err="1"/>
-              <a:t>mockPerson.Setup</a:t>
-            </a:r>
-            <a:r>
-              <a:rPr lang="de-DE" sz="1400" dirty="0"/>
-              <a:t>(x =&gt; </a:t>
-            </a:r>
-            <a:r>
-              <a:rPr lang="de-DE" sz="1400" dirty="0" err="1"/>
-              <a:t>x.Vorname</a:t>
-            </a:r>
-            <a:r>
-              <a:rPr lang="de-DE" sz="1400" dirty="0"/>
-              <a:t>).Returns("Peter");</a:t>
-            </a:r>
-          </a:p>
-          <a:p>
-            <a:r>
-              <a:rPr lang="de-DE" sz="1400" dirty="0" err="1"/>
-              <a:t>mockPerson.Setup</a:t>
-            </a:r>
-            <a:r>
-              <a:rPr lang="de-DE" sz="1400" dirty="0"/>
-              <a:t>(x =&gt; </a:t>
-            </a:r>
-            <a:r>
-              <a:rPr lang="de-DE" sz="1400" dirty="0" err="1"/>
-              <a:t>x.Nachname</a:t>
-            </a:r>
-            <a:r>
-              <a:rPr lang="de-DE" sz="1400" dirty="0"/>
-              <a:t>).Returns("Meyer");</a:t>
-            </a:r>
+            <a:endParaRPr lang="de-DE"/>
           </a:p>
         </p:txBody>
       </p:sp>
     </p:spTree>
     <p:extLst>
       <p:ext uri="{BB962C8B-B14F-4D97-AF65-F5344CB8AC3E}">
-        <p14:creationId xmlns:p14="http://schemas.microsoft.com/office/powerpoint/2010/main" val="3434123466"/>
+        <p14:creationId xmlns:p14="http://schemas.microsoft.com/office/powerpoint/2010/main" val="2007169250"/>
       </p:ext>
     </p:extLst>
   </p:cSld>
@@ -10793,10 +10725,10 @@
       </p:grpSpPr>
       <p:sp>
         <p:nvSpPr>
-          <p:cNvPr id="2" name="Titel 1">
+          <p:cNvPr id="4" name="Titel 3">
             <a:extLst>
               <a:ext uri="{FF2B5EF4-FFF2-40B4-BE49-F238E27FC236}">
-                <a16:creationId xmlns:a16="http://schemas.microsoft.com/office/drawing/2014/main" id="{760C86A1-E739-4AD2-8EE3-F2CD3DD760CB}"/>
+                <a16:creationId xmlns:a16="http://schemas.microsoft.com/office/drawing/2014/main" id="{474A1EB7-C8C7-4FFF-ACD5-0235694578A4}"/>
               </a:ext>
             </a:extLst>
           </p:cNvPr>
@@ -10814,17 +10746,71 @@
           <a:p>
             <a:r>
               <a:rPr lang="de-DE" dirty="0"/>
-              <a:t>Regeln für Methoden (1)</a:t>
-            </a:r>
-          </a:p>
-        </p:txBody>
-      </p:sp>
-      <p:sp>
-        <p:nvSpPr>
-          <p:cNvPr id="4" name="Textfeld 3">
+              <a:t>Erstellen eines Mock Objekts</a:t>
+            </a:r>
+          </a:p>
+        </p:txBody>
+      </p:sp>
+      <p:sp>
+        <p:nvSpPr>
+          <p:cNvPr id="5" name="Inhaltsplatzhalter 4">
             <a:extLst>
               <a:ext uri="{FF2B5EF4-FFF2-40B4-BE49-F238E27FC236}">
-                <a16:creationId xmlns:a16="http://schemas.microsoft.com/office/drawing/2014/main" id="{1C9E341A-3F3B-41D0-A8D2-0240CDD2509B}"/>
+                <a16:creationId xmlns:a16="http://schemas.microsoft.com/office/drawing/2014/main" id="{240063EB-2B18-4E0A-B8B7-207A12B02432}"/>
+              </a:ext>
+            </a:extLst>
+          </p:cNvPr>
+          <p:cNvSpPr>
+            <a:spLocks noGrp="1"/>
+          </p:cNvSpPr>
+          <p:nvPr>
+            <p:ph sz="quarter" idx="16"/>
+          </p:nvPr>
+        </p:nvSpPr>
+        <p:spPr/>
+        <p:txBody>
+          <a:bodyPr/>
+          <a:lstStyle/>
+          <a:p>
+            <a:r>
+              <a:rPr lang="de-DE" dirty="0"/>
+              <a:t>Erzeugen mit dem </a:t>
+            </a:r>
+            <a:r>
+              <a:rPr lang="de-DE" dirty="0" err="1"/>
+              <a:t>Moq-Framwork</a:t>
+            </a:r>
+            <a:r>
+              <a:rPr lang="de-DE" dirty="0"/>
+              <a:t> einer Hülle:</a:t>
+            </a:r>
+          </a:p>
+          <a:p>
+            <a:endParaRPr lang="de-DE" dirty="0"/>
+          </a:p>
+          <a:p>
+            <a:endParaRPr lang="de-DE" dirty="0"/>
+          </a:p>
+          <a:p>
+            <a:endParaRPr lang="de-DE" dirty="0"/>
+          </a:p>
+          <a:p>
+            <a:endParaRPr lang="de-DE" dirty="0"/>
+          </a:p>
+          <a:p>
+            <a:r>
+              <a:rPr lang="de-DE" dirty="0"/>
+              <a:t>Aus der Hülle ein konkretes Objekt ermitteln</a:t>
+            </a:r>
+          </a:p>
+        </p:txBody>
+      </p:sp>
+      <p:sp>
+        <p:nvSpPr>
+          <p:cNvPr id="6" name="Textfeld 5">
+            <a:extLst>
+              <a:ext uri="{FF2B5EF4-FFF2-40B4-BE49-F238E27FC236}">
+                <a16:creationId xmlns:a16="http://schemas.microsoft.com/office/drawing/2014/main" id="{D0B8226C-F3A9-44B3-932E-2EC7DC9A5BBB}"/>
               </a:ext>
             </a:extLst>
           </p:cNvPr>
@@ -10833,8 +10819,8 @@
         </p:nvSpPr>
         <p:spPr>
           <a:xfrm>
-            <a:off x="569640" y="1273324"/>
-            <a:ext cx="3273268" cy="1600438"/>
+            <a:off x="929680" y="1705372"/>
+            <a:ext cx="3063659" cy="631135"/>
           </a:xfrm>
           <a:prstGeom prst="rect">
             <a:avLst/>
@@ -10860,99 +10846,53 @@
           </a:bodyPr>
           <a:lstStyle/>
           <a:p>
-            <a:r>
-              <a:rPr lang="de-DE" sz="1400" dirty="0" err="1"/>
-              <a:t>public</a:t>
-            </a:r>
-            <a:r>
-              <a:rPr lang="de-DE" sz="1400" dirty="0"/>
+            <a:endParaRPr lang="de-DE" sz="1167" dirty="0"/>
+          </a:p>
+          <a:p>
+            <a:r>
+              <a:rPr lang="de-DE" sz="1167" dirty="0" err="1"/>
+              <a:t>var</a:t>
+            </a:r>
+            <a:r>
+              <a:rPr lang="de-DE" sz="1167" dirty="0"/>
               <a:t> </a:t>
             </a:r>
             <a:r>
-              <a:rPr lang="de-DE" sz="1400" dirty="0" err="1"/>
-              <a:t>class</a:t>
-            </a:r>
-            <a:r>
-              <a:rPr lang="de-DE" sz="1400" dirty="0"/>
-              <a:t> Person</a:t>
-            </a:r>
-          </a:p>
-          <a:p>
-            <a:r>
-              <a:rPr lang="de-DE" sz="1400" dirty="0"/>
-              <a:t>{</a:t>
-            </a:r>
-          </a:p>
-          <a:p>
-            <a:r>
-              <a:rPr lang="en-US" sz="1400" dirty="0"/>
-              <a:t>        </a:t>
-            </a:r>
-            <a:r>
-              <a:rPr lang="de-DE" sz="1400" dirty="0" err="1"/>
-              <a:t>public</a:t>
-            </a:r>
-            <a:r>
-              <a:rPr lang="de-DE" sz="1400" dirty="0"/>
-              <a:t> virtual </a:t>
-            </a:r>
-            <a:r>
-              <a:rPr lang="de-DE" sz="1400" dirty="0" err="1"/>
-              <a:t>string</a:t>
-            </a:r>
-            <a:r>
-              <a:rPr lang="de-DE" sz="1400" dirty="0"/>
-              <a:t> </a:t>
-            </a:r>
-            <a:r>
-              <a:rPr lang="de-DE" sz="1400" dirty="0" err="1"/>
-              <a:t>GenerateAnrede</a:t>
-            </a:r>
-            <a:r>
-              <a:rPr lang="de-DE" sz="1400" dirty="0"/>
-              <a:t>()</a:t>
-            </a:r>
-          </a:p>
-          <a:p>
-            <a:r>
-              <a:rPr lang="de-DE" sz="1400" dirty="0"/>
-              <a:t>        {</a:t>
-            </a:r>
-          </a:p>
-          <a:p>
-            <a:r>
-              <a:rPr lang="de-DE" sz="1400" dirty="0"/>
-              <a:t>            </a:t>
-            </a:r>
-            <a:r>
-              <a:rPr lang="de-DE" sz="1400" dirty="0" err="1"/>
-              <a:t>return</a:t>
-            </a:r>
-            <a:r>
-              <a:rPr lang="de-DE" sz="1400" dirty="0"/>
-              <a:t> Vorname + " " + Nachname;</a:t>
-            </a:r>
-          </a:p>
-          <a:p>
-            <a:r>
-              <a:rPr lang="de-DE" sz="1400" dirty="0"/>
-              <a:t>        } </a:t>
-            </a:r>
-          </a:p>
-          <a:p>
-            <a:r>
-              <a:rPr lang="de-DE" sz="1400" dirty="0"/>
-              <a:t>}</a:t>
-            </a:r>
-          </a:p>
-        </p:txBody>
-      </p:sp>
-      <p:sp>
-        <p:nvSpPr>
-          <p:cNvPr id="5" name="Textfeld 4">
+              <a:rPr lang="de-DE" sz="1167" dirty="0" err="1"/>
+              <a:t>mock</a:t>
+            </a:r>
+            <a:r>
+              <a:rPr lang="de-DE" sz="1167" dirty="0"/>
+              <a:t> = </a:t>
+            </a:r>
+            <a:r>
+              <a:rPr lang="de-DE" sz="1167" dirty="0" err="1"/>
+              <a:t>new</a:t>
+            </a:r>
+            <a:r>
+              <a:rPr lang="de-DE" sz="1167" dirty="0"/>
+              <a:t> Mock&lt;</a:t>
+            </a:r>
+            <a:r>
+              <a:rPr lang="de-DE" sz="1167" dirty="0" err="1"/>
+              <a:t>MeineBussinessClass</a:t>
+            </a:r>
+            <a:r>
+              <a:rPr lang="de-DE" sz="1167" dirty="0"/>
+              <a:t>&gt;();</a:t>
+            </a:r>
+          </a:p>
+          <a:p>
+            <a:endParaRPr lang="de-DE" sz="1167" dirty="0"/>
+          </a:p>
+        </p:txBody>
+      </p:sp>
+      <p:sp>
+        <p:nvSpPr>
+          <p:cNvPr id="7" name="Textfeld 6">
             <a:extLst>
               <a:ext uri="{FF2B5EF4-FFF2-40B4-BE49-F238E27FC236}">
-                <a16:creationId xmlns:a16="http://schemas.microsoft.com/office/drawing/2014/main" id="{1E1659C0-18C2-4C9D-A25E-B05A8CE4C5B1}"/>
+                <a16:creationId xmlns:a16="http://schemas.microsoft.com/office/drawing/2014/main" id="{08460005-3090-4ECE-9C45-2E296273F34A}"/>
               </a:ext>
             </a:extLst>
           </p:cNvPr>
@@ -10961,8 +10901,8 @@
         </p:nvSpPr>
         <p:spPr>
           <a:xfrm>
-            <a:off x="1721768" y="3649588"/>
-            <a:ext cx="5249322" cy="738664"/>
+            <a:off x="924341" y="3505572"/>
+            <a:ext cx="2877711" cy="631135"/>
           </a:xfrm>
           <a:prstGeom prst="rect">
             <a:avLst/>
@@ -10988,35 +10928,40 @@
           </a:bodyPr>
           <a:lstStyle/>
           <a:p>
-            <a:endParaRPr lang="de-DE" sz="1400" dirty="0"/>
-          </a:p>
-          <a:p>
-            <a:r>
-              <a:rPr lang="de-DE" sz="1400" dirty="0" err="1"/>
-              <a:t>mockPerson.Setup</a:t>
-            </a:r>
-            <a:r>
-              <a:rPr lang="de-DE" sz="1400" dirty="0"/>
-              <a:t>(x =&gt; </a:t>
-            </a:r>
-            <a:r>
-              <a:rPr lang="de-DE" sz="1400" dirty="0" err="1"/>
-              <a:t>x.GenerateAnrede</a:t>
-            </a:r>
-            <a:r>
-              <a:rPr lang="de-DE" sz="1400" dirty="0"/>
-              <a:t>()).Returns("Peter Meyer");</a:t>
-            </a:r>
-          </a:p>
-          <a:p>
-            <a:endParaRPr lang="de-DE" sz="1400" dirty="0"/>
+            <a:endParaRPr lang="de-DE" sz="1167" dirty="0"/>
+          </a:p>
+          <a:p>
+            <a:r>
+              <a:rPr lang="de-DE" sz="1167" dirty="0" err="1"/>
+              <a:t>MeineBusinessClass</a:t>
+            </a:r>
+            <a:r>
+              <a:rPr lang="de-DE" sz="1167" dirty="0"/>
+              <a:t>  </a:t>
+            </a:r>
+            <a:r>
+              <a:rPr lang="de-DE" sz="1167" dirty="0" err="1"/>
+              <a:t>myObj</a:t>
+            </a:r>
+            <a:r>
+              <a:rPr lang="de-DE" sz="1167" dirty="0"/>
+              <a:t> =  </a:t>
+            </a:r>
+            <a:r>
+              <a:rPr lang="de-DE" sz="1167" dirty="0" err="1"/>
+              <a:t>mock.Object</a:t>
+            </a:r>
+            <a:endParaRPr lang="de-DE" sz="1167" dirty="0"/>
+          </a:p>
+          <a:p>
+            <a:endParaRPr lang="de-DE" sz="1167" dirty="0"/>
           </a:p>
         </p:txBody>
       </p:sp>
     </p:spTree>
     <p:extLst>
       <p:ext uri="{BB962C8B-B14F-4D97-AF65-F5344CB8AC3E}">
-        <p14:creationId xmlns:p14="http://schemas.microsoft.com/office/powerpoint/2010/main" val="3244055685"/>
+        <p14:creationId xmlns:p14="http://schemas.microsoft.com/office/powerpoint/2010/main" val="5452868"/>
       </p:ext>
     </p:extLst>
   </p:cSld>
@@ -11166,7 +11111,7 @@
           <a:p>
             <a:r>
               <a:rPr lang="de-DE" dirty="0"/>
-              <a:t>Regeln für Methoden (2)</a:t>
+              <a:t>Regeln für Eigenschaften</a:t>
             </a:r>
           </a:p>
         </p:txBody>
@@ -11176,7 +11121,7 @@
           <p:cNvPr id="4" name="Textfeld 3">
             <a:extLst>
               <a:ext uri="{FF2B5EF4-FFF2-40B4-BE49-F238E27FC236}">
-                <a16:creationId xmlns:a16="http://schemas.microsoft.com/office/drawing/2014/main" id="{1C9E341A-3F3B-41D0-A8D2-0240CDD2509B}"/>
+                <a16:creationId xmlns:a16="http://schemas.microsoft.com/office/drawing/2014/main" id="{D18454C4-037A-4235-AA81-85AF4970ED7D}"/>
               </a:ext>
             </a:extLst>
           </p:cNvPr>
@@ -11185,8 +11130,8 @@
         </p:nvSpPr>
         <p:spPr>
           <a:xfrm>
-            <a:off x="497632" y="1633364"/>
-            <a:ext cx="6384440" cy="307777"/>
+            <a:off x="569640" y="1273324"/>
+            <a:ext cx="3598486" cy="1384995"/>
           </a:xfrm>
           <a:prstGeom prst="rect">
             <a:avLst/>
@@ -11213,30 +11158,72 @@
           <a:lstStyle/>
           <a:p>
             <a:r>
+              <a:rPr lang="de-DE" sz="1400" dirty="0" err="1"/>
+              <a:t>public</a:t>
+            </a:r>
+            <a:r>
+              <a:rPr lang="de-DE" sz="1400" dirty="0"/>
+              <a:t> </a:t>
+            </a:r>
+            <a:r>
+              <a:rPr lang="de-DE" sz="1400" dirty="0" err="1"/>
+              <a:t>class</a:t>
+            </a:r>
+            <a:r>
+              <a:rPr lang="de-DE" sz="1400" dirty="0"/>
+              <a:t> Person</a:t>
+            </a:r>
+          </a:p>
+          <a:p>
+            <a:r>
+              <a:rPr lang="de-DE" sz="1400" dirty="0"/>
+              <a:t>{</a:t>
+            </a:r>
+          </a:p>
+          <a:p>
+            <a:r>
+              <a:rPr lang="en-US" sz="1400" dirty="0"/>
+              <a:t>        public virtual int ID { get; set; }</a:t>
+            </a:r>
+          </a:p>
+          <a:p>
+            <a:r>
+              <a:rPr lang="en-US" sz="1400" dirty="0"/>
+              <a:t>        public virtual string </a:t>
+            </a:r>
+            <a:r>
               <a:rPr lang="en-US" sz="1400" dirty="0" err="1"/>
-              <a:t>mock.Setup</a:t>
+              <a:t>Vorname</a:t>
             </a:r>
             <a:r>
               <a:rPr lang="en-US" sz="1400" dirty="0"/>
-              <a:t>(foo =&gt; </a:t>
+              <a:t> { get; set; }</a:t>
+            </a:r>
+          </a:p>
+          <a:p>
+            <a:r>
+              <a:rPr lang="en-US" sz="1400" dirty="0"/>
+              <a:t>        public virtual string </a:t>
             </a:r>
             <a:r>
               <a:rPr lang="en-US" sz="1400" dirty="0" err="1"/>
-              <a:t>foo.DoSomething</a:t>
+              <a:t>Nachname</a:t>
             </a:r>
             <a:r>
               <a:rPr lang="en-US" sz="1400" dirty="0"/>
-              <a:t>("reset")).Throws&lt;</a:t>
-            </a:r>
-            <a:r>
-              <a:rPr lang="en-US" sz="1400" dirty="0" err="1"/>
-              <a:t>InvalidOperationException</a:t>
-            </a:r>
-            <a:r>
-              <a:rPr lang="en-US" sz="1400" dirty="0"/>
-              <a:t>&gt;();</a:t>
-            </a:r>
-            <a:endParaRPr lang="de-DE" sz="1400" dirty="0"/>
+              <a:t> { get; set; }</a:t>
+            </a:r>
+            <a:r>
+              <a:rPr lang="de-DE" sz="1400" dirty="0"/>
+              <a:t> </a:t>
+            </a:r>
+          </a:p>
+          <a:p>
+            <a:r>
+              <a:rPr lang="de-DE" sz="1400" dirty="0"/>
+              <a:t>}</a:t>
+            </a:r>
+            <a:endParaRPr lang="de-DE" sz="1050" dirty="0"/>
           </a:p>
         </p:txBody>
       </p:sp>
@@ -11245,7 +11232,7 @@
           <p:cNvPr id="5" name="Textfeld 4">
             <a:extLst>
               <a:ext uri="{FF2B5EF4-FFF2-40B4-BE49-F238E27FC236}">
-                <a16:creationId xmlns:a16="http://schemas.microsoft.com/office/drawing/2014/main" id="{1E1659C0-18C2-4C9D-A25E-B05A8CE4C5B1}"/>
+                <a16:creationId xmlns:a16="http://schemas.microsoft.com/office/drawing/2014/main" id="{8BF7494C-9092-45FD-BFB1-6D7AF9B8A9D8}"/>
               </a:ext>
             </a:extLst>
           </p:cNvPr>
@@ -11254,8 +11241,8 @@
         </p:nvSpPr>
         <p:spPr>
           <a:xfrm>
-            <a:off x="1505744" y="3215293"/>
-            <a:ext cx="5472608" cy="523220"/>
+            <a:off x="2513856" y="3433564"/>
+            <a:ext cx="4286110" cy="738664"/>
           </a:xfrm>
           <a:prstGeom prst="rect">
             <a:avLst/>
@@ -11276,57 +11263,55 @@
           </a:fontRef>
         </p:style>
         <p:txBody>
-          <a:bodyPr wrap="square" rtlCol="0">
+          <a:bodyPr wrap="none" rtlCol="0">
             <a:spAutoFit/>
           </a:bodyPr>
           <a:lstStyle/>
           <a:p>
-            <a:r>
-              <a:rPr lang="en-US" sz="1400" dirty="0" err="1"/>
-              <a:t>mock.Setup</a:t>
-            </a:r>
-            <a:r>
-              <a:rPr lang="en-US" sz="1400" dirty="0"/>
+            <a:endParaRPr lang="de-DE" sz="1400" dirty="0"/>
+          </a:p>
+          <a:p>
+            <a:r>
+              <a:rPr lang="de-DE" sz="1400" dirty="0" err="1"/>
+              <a:t>mockPerson.Setup</a:t>
+            </a:r>
+            <a:r>
+              <a:rPr lang="de-DE" sz="1400" dirty="0"/>
               <a:t>(x =&gt; </a:t>
             </a:r>
             <a:r>
-              <a:rPr lang="en-US" sz="1400" dirty="0" err="1"/>
-              <a:t>x.DoSomethingStringy</a:t>
-            </a:r>
-            <a:r>
-              <a:rPr lang="en-US" sz="1400" dirty="0"/>
-              <a:t>(</a:t>
-            </a:r>
-            <a:r>
-              <a:rPr lang="en-US" sz="1400" dirty="0" err="1"/>
-              <a:t>It.IsAny</a:t>
-            </a:r>
-            <a:r>
-              <a:rPr lang="en-US" sz="1400" dirty="0"/>
-              <a:t>&lt;string&gt;()))</a:t>
-            </a:r>
-          </a:p>
-          <a:p>
-            <a:r>
-              <a:rPr lang="en-US" sz="1400" dirty="0"/>
-              <a:t>		.Returns((string s) =&gt; </a:t>
-            </a:r>
-            <a:r>
-              <a:rPr lang="en-US" sz="1400" dirty="0" err="1"/>
-              <a:t>s.ToLower</a:t>
-            </a:r>
-            <a:r>
-              <a:rPr lang="en-US" sz="1400" dirty="0"/>
-              <a:t>());</a:t>
-            </a:r>
-            <a:endParaRPr lang="de-DE" sz="1400" dirty="0"/>
+              <a:rPr lang="de-DE" sz="1400" dirty="0" err="1"/>
+              <a:t>x.Vorname</a:t>
+            </a:r>
+            <a:r>
+              <a:rPr lang="de-DE" sz="1400" dirty="0"/>
+              <a:t>).Returns("Peter");</a:t>
+            </a:r>
+          </a:p>
+          <a:p>
+            <a:r>
+              <a:rPr lang="de-DE" sz="1400" dirty="0" err="1"/>
+              <a:t>mockPerson.Setup</a:t>
+            </a:r>
+            <a:r>
+              <a:rPr lang="de-DE" sz="1400" dirty="0"/>
+              <a:t>(x =&gt; </a:t>
+            </a:r>
+            <a:r>
+              <a:rPr lang="de-DE" sz="1400" dirty="0" err="1"/>
+              <a:t>x.Nachname</a:t>
+            </a:r>
+            <a:r>
+              <a:rPr lang="de-DE" sz="1400" dirty="0"/>
+              <a:t>).Returns("Meyer");</a:t>
+            </a:r>
           </a:p>
         </p:txBody>
       </p:sp>
     </p:spTree>
     <p:extLst>
       <p:ext uri="{BB962C8B-B14F-4D97-AF65-F5344CB8AC3E}">
-        <p14:creationId xmlns:p14="http://schemas.microsoft.com/office/powerpoint/2010/main" val="1745207639"/>
+        <p14:creationId xmlns:p14="http://schemas.microsoft.com/office/powerpoint/2010/main" val="3434123466"/>
       </p:ext>
     </p:extLst>
   </p:cSld>
@@ -11355,7 +11340,13 @@
       </p:grpSpPr>
       <p:sp>
         <p:nvSpPr>
-          <p:cNvPr id="2" name="Titel 1"/>
+          <p:cNvPr id="2" name="Titel 1">
+            <a:extLst>
+              <a:ext uri="{FF2B5EF4-FFF2-40B4-BE49-F238E27FC236}">
+                <a16:creationId xmlns:a16="http://schemas.microsoft.com/office/drawing/2014/main" id="{760C86A1-E739-4AD2-8EE3-F2CD3DD760CB}"/>
+              </a:ext>
+            </a:extLst>
+          </p:cNvPr>
           <p:cNvSpPr>
             <a:spLocks noGrp="1"/>
           </p:cNvSpPr>
@@ -11370,43 +11361,27 @@
           <a:p>
             <a:r>
               <a:rPr lang="de-DE" dirty="0"/>
-              <a:t>Mock Controller</a:t>
-            </a:r>
-          </a:p>
-        </p:txBody>
-      </p:sp>
-      <p:sp>
-        <p:nvSpPr>
-          <p:cNvPr id="3" name="Inhaltsplatzhalter 2"/>
-          <p:cNvSpPr>
-            <a:spLocks noGrp="1"/>
-          </p:cNvSpPr>
-          <p:nvPr>
-            <p:ph sz="quarter" idx="16"/>
-          </p:nvPr>
-        </p:nvSpPr>
-        <p:spPr/>
-        <p:txBody>
-          <a:bodyPr/>
-          <a:lstStyle/>
-          <a:p>
-            <a:r>
-              <a:rPr lang="de-DE" dirty="0"/>
-              <a:t>Ein Objekt mit definierten Eigenschaften für den Test</a:t>
-            </a:r>
-          </a:p>
-        </p:txBody>
-      </p:sp>
-      <p:sp>
-        <p:nvSpPr>
-          <p:cNvPr id="4" name="Textfeld 3"/>
+              <a:t>Regeln für Methoden (1)</a:t>
+            </a:r>
+          </a:p>
+        </p:txBody>
+      </p:sp>
+      <p:sp>
+        <p:nvSpPr>
+          <p:cNvPr id="4" name="Textfeld 3">
+            <a:extLst>
+              <a:ext uri="{FF2B5EF4-FFF2-40B4-BE49-F238E27FC236}">
+                <a16:creationId xmlns:a16="http://schemas.microsoft.com/office/drawing/2014/main" id="{1C9E341A-3F3B-41D0-A8D2-0240CDD2509B}"/>
+              </a:ext>
+            </a:extLst>
+          </p:cNvPr>
           <p:cNvSpPr txBox="1"/>
           <p:nvPr/>
         </p:nvSpPr>
         <p:spPr>
           <a:xfrm>
-            <a:off x="1047064" y="1777380"/>
-            <a:ext cx="5525872" cy="2606739"/>
+            <a:off x="569640" y="1273324"/>
+            <a:ext cx="3273268" cy="1600438"/>
           </a:xfrm>
           <a:prstGeom prst="rect">
             <a:avLst/>
@@ -11433,254 +11408,162 @@
           <a:lstStyle/>
           <a:p>
             <a:r>
-              <a:rPr lang="de-DE" sz="1167" dirty="0" err="1"/>
+              <a:rPr lang="de-DE" sz="1400" dirty="0" err="1"/>
               <a:t>public</a:t>
             </a:r>
             <a:r>
-              <a:rPr lang="de-DE" sz="1167" dirty="0"/>
+              <a:rPr lang="de-DE" sz="1400" dirty="0"/>
               <a:t> </a:t>
             </a:r>
             <a:r>
-              <a:rPr lang="de-DE" sz="1167" dirty="0" err="1"/>
-              <a:t>static</a:t>
-            </a:r>
-            <a:r>
-              <a:rPr lang="de-DE" sz="1167" dirty="0"/>
-              <a:t> T </a:t>
-            </a:r>
-            <a:r>
-              <a:rPr lang="de-DE" sz="1167" dirty="0" err="1"/>
-              <a:t>CreateControllerAsAnonym</a:t>
-            </a:r>
-            <a:r>
-              <a:rPr lang="de-DE" sz="1167" dirty="0"/>
-              <a:t>&lt;T&gt;()</a:t>
-            </a:r>
-          </a:p>
-          <a:p>
-            <a:r>
-              <a:rPr lang="de-DE" sz="1167" dirty="0"/>
-              <a:t>           </a:t>
-            </a:r>
-            <a:r>
-              <a:rPr lang="de-DE" sz="1167" dirty="0" err="1"/>
-              <a:t>where</a:t>
-            </a:r>
-            <a:r>
-              <a:rPr lang="de-DE" sz="1167" dirty="0"/>
-              <a:t> T : Controller, </a:t>
-            </a:r>
-            <a:r>
-              <a:rPr lang="de-DE" sz="1167" dirty="0" err="1"/>
-              <a:t>new</a:t>
-            </a:r>
-            <a:r>
-              <a:rPr lang="de-DE" sz="1167" dirty="0"/>
+              <a:rPr lang="de-DE" sz="1400" dirty="0" err="1"/>
+              <a:t>class</a:t>
+            </a:r>
+            <a:r>
+              <a:rPr lang="de-DE" sz="1400" dirty="0"/>
+              <a:t> Person</a:t>
+            </a:r>
+          </a:p>
+          <a:p>
+            <a:r>
+              <a:rPr lang="de-DE" sz="1400" dirty="0"/>
+              <a:t>{</a:t>
+            </a:r>
+          </a:p>
+          <a:p>
+            <a:r>
+              <a:rPr lang="en-US" sz="1400" dirty="0"/>
+              <a:t>        </a:t>
+            </a:r>
+            <a:r>
+              <a:rPr lang="de-DE" sz="1400" dirty="0" err="1"/>
+              <a:t>public</a:t>
+            </a:r>
+            <a:r>
+              <a:rPr lang="de-DE" sz="1400" dirty="0"/>
+              <a:t> virtual </a:t>
+            </a:r>
+            <a:r>
+              <a:rPr lang="de-DE" sz="1400" dirty="0" err="1"/>
+              <a:t>string</a:t>
+            </a:r>
+            <a:r>
+              <a:rPr lang="de-DE" sz="1400" dirty="0"/>
+              <a:t> </a:t>
+            </a:r>
+            <a:r>
+              <a:rPr lang="de-DE" sz="1400" dirty="0" err="1"/>
+              <a:t>GenerateAnrede</a:t>
+            </a:r>
+            <a:r>
+              <a:rPr lang="de-DE" sz="1400" dirty="0"/>
               <a:t>()</a:t>
             </a:r>
           </a:p>
           <a:p>
             <a:r>
-              <a:rPr lang="de-DE" sz="1167" dirty="0"/>
-              <a:t>{</a:t>
-            </a:r>
-          </a:p>
-          <a:p>
-            <a:endParaRPr lang="de-DE" sz="1167" dirty="0"/>
-          </a:p>
-          <a:p>
-            <a:r>
-              <a:rPr lang="de-DE" sz="1167" dirty="0"/>
+              <a:rPr lang="de-DE" sz="1400" dirty="0"/>
+              <a:t>        {</a:t>
+            </a:r>
+          </a:p>
+          <a:p>
+            <a:r>
+              <a:rPr lang="de-DE" sz="1400" dirty="0"/>
               <a:t>            </a:t>
             </a:r>
             <a:r>
-              <a:rPr lang="de-DE" sz="1167" dirty="0" err="1"/>
-              <a:t>var</a:t>
-            </a:r>
-            <a:r>
-              <a:rPr lang="de-DE" sz="1167" dirty="0"/>
-              <a:t> </a:t>
-            </a:r>
-            <a:r>
-              <a:rPr lang="de-DE" sz="1167" dirty="0" err="1"/>
-              <a:t>mock</a:t>
-            </a:r>
-            <a:r>
-              <a:rPr lang="de-DE" sz="1167" dirty="0"/>
-              <a:t> = </a:t>
-            </a:r>
-            <a:r>
-              <a:rPr lang="de-DE" sz="1167" dirty="0" err="1"/>
-              <a:t>new</a:t>
-            </a:r>
-            <a:r>
-              <a:rPr lang="de-DE" sz="1167" dirty="0"/>
-              <a:t> Mock&lt;</a:t>
-            </a:r>
-            <a:r>
-              <a:rPr lang="de-DE" sz="1167" dirty="0" err="1"/>
-              <a:t>ControllerContext</a:t>
-            </a:r>
-            <a:r>
-              <a:rPr lang="de-DE" sz="1167" dirty="0"/>
-              <a:t>&gt;();</a:t>
-            </a:r>
-          </a:p>
-          <a:p>
-            <a:r>
-              <a:rPr lang="de-DE" sz="1167" dirty="0"/>
-              <a:t>            </a:t>
-            </a:r>
-            <a:r>
-              <a:rPr lang="de-DE" sz="1167" dirty="0" err="1"/>
-              <a:t>mock.SetupGet</a:t>
-            </a:r>
-            <a:r>
-              <a:rPr lang="de-DE" sz="1167" dirty="0"/>
-              <a:t>(p =&gt; </a:t>
-            </a:r>
-            <a:r>
-              <a:rPr lang="de-DE" sz="1167" dirty="0" err="1"/>
-              <a:t>p.HttpContext.User.Identity.IsAuthenticated</a:t>
-            </a:r>
-            <a:r>
-              <a:rPr lang="de-DE" sz="1167" dirty="0"/>
-              <a:t>).Returns(</a:t>
-            </a:r>
-            <a:r>
-              <a:rPr lang="de-DE" sz="1167" dirty="0" err="1"/>
-              <a:t>false</a:t>
-            </a:r>
-            <a:r>
-              <a:rPr lang="de-DE" sz="1167" dirty="0"/>
-              <a:t>);</a:t>
-            </a:r>
-          </a:p>
-          <a:p>
-            <a:r>
-              <a:rPr lang="de-DE" sz="1167" dirty="0"/>
-              <a:t>            </a:t>
-            </a:r>
-            <a:r>
-              <a:rPr lang="de-DE" sz="1167" dirty="0" err="1"/>
-              <a:t>mock.SetupGet</a:t>
-            </a:r>
-            <a:r>
-              <a:rPr lang="de-DE" sz="1167" dirty="0"/>
-              <a:t>(p =&gt; </a:t>
-            </a:r>
-            <a:r>
-              <a:rPr lang="de-DE" sz="1167" dirty="0" err="1"/>
-              <a:t>p.HttpContext.Request.IsAuthenticated</a:t>
-            </a:r>
-            <a:r>
-              <a:rPr lang="de-DE" sz="1167" dirty="0"/>
-              <a:t>).Returns(</a:t>
-            </a:r>
-            <a:r>
-              <a:rPr lang="de-DE" sz="1167" dirty="0" err="1"/>
-              <a:t>false</a:t>
-            </a:r>
-            <a:r>
-              <a:rPr lang="de-DE" sz="1167" dirty="0"/>
-              <a:t>);</a:t>
-            </a:r>
-          </a:p>
-          <a:p>
-            <a:endParaRPr lang="de-DE" sz="1167" dirty="0"/>
-          </a:p>
-          <a:p>
-            <a:endParaRPr lang="de-DE" sz="1167" dirty="0"/>
-          </a:p>
-          <a:p>
-            <a:r>
-              <a:rPr lang="de-DE" sz="1167" dirty="0"/>
-              <a:t>            </a:t>
-            </a:r>
-            <a:r>
-              <a:rPr lang="de-DE" sz="1167" dirty="0" err="1"/>
-              <a:t>var</a:t>
-            </a:r>
-            <a:r>
-              <a:rPr lang="de-DE" sz="1167" dirty="0"/>
-              <a:t> </a:t>
-            </a:r>
-            <a:r>
-              <a:rPr lang="de-DE" sz="1167" dirty="0" err="1"/>
-              <a:t>controller</a:t>
-            </a:r>
-            <a:r>
-              <a:rPr lang="de-DE" sz="1167" dirty="0"/>
-              <a:t> = </a:t>
-            </a:r>
-            <a:r>
-              <a:rPr lang="de-DE" sz="1167" dirty="0" err="1"/>
-              <a:t>new</a:t>
-            </a:r>
-            <a:r>
-              <a:rPr lang="de-DE" sz="1167" dirty="0"/>
-              <a:t> T();</a:t>
-            </a:r>
-          </a:p>
-          <a:p>
-            <a:r>
-              <a:rPr lang="de-DE" sz="1167" dirty="0"/>
-              <a:t>            </a:t>
-            </a:r>
-            <a:r>
-              <a:rPr lang="de-DE" sz="1167" dirty="0" err="1"/>
-              <a:t>controller.ControllerContext</a:t>
-            </a:r>
-            <a:r>
-              <a:rPr lang="de-DE" sz="1167" dirty="0"/>
-              <a:t> = </a:t>
-            </a:r>
-            <a:r>
-              <a:rPr lang="de-DE" sz="1167" dirty="0" err="1"/>
-              <a:t>mock.Object</a:t>
-            </a:r>
-            <a:r>
-              <a:rPr lang="de-DE" sz="1167" dirty="0"/>
-              <a:t>;</a:t>
-            </a:r>
-          </a:p>
-          <a:p>
-            <a:endParaRPr lang="de-DE" sz="1167" dirty="0"/>
-          </a:p>
-          <a:p>
-            <a:r>
-              <a:rPr lang="de-DE" sz="1167" dirty="0"/>
-              <a:t>            </a:t>
-            </a:r>
-            <a:r>
-              <a:rPr lang="de-DE" sz="1167" dirty="0" err="1"/>
+              <a:rPr lang="de-DE" sz="1400" dirty="0" err="1"/>
               <a:t>return</a:t>
             </a:r>
             <a:r>
-              <a:rPr lang="de-DE" sz="1167" dirty="0"/>
-              <a:t> </a:t>
-            </a:r>
-            <a:r>
-              <a:rPr lang="de-DE" sz="1167" dirty="0" err="1"/>
-              <a:t>controller</a:t>
-            </a:r>
-            <a:r>
-              <a:rPr lang="de-DE" sz="1167" dirty="0"/>
-              <a:t>;</a:t>
-            </a:r>
-          </a:p>
-          <a:p>
-            <a:r>
-              <a:rPr lang="de-DE" sz="1167" dirty="0"/>
+              <a:rPr lang="de-DE" sz="1400" dirty="0"/>
+              <a:t> Vorname + " " + Nachname;</a:t>
+            </a:r>
+          </a:p>
+          <a:p>
+            <a:r>
+              <a:rPr lang="de-DE" sz="1400" dirty="0"/>
+              <a:t>        } </a:t>
+            </a:r>
+          </a:p>
+          <a:p>
+            <a:r>
+              <a:rPr lang="de-DE" sz="1400" dirty="0"/>
               <a:t>}</a:t>
             </a:r>
+          </a:p>
+        </p:txBody>
+      </p:sp>
+      <p:sp>
+        <p:nvSpPr>
+          <p:cNvPr id="5" name="Textfeld 4">
+            <a:extLst>
+              <a:ext uri="{FF2B5EF4-FFF2-40B4-BE49-F238E27FC236}">
+                <a16:creationId xmlns:a16="http://schemas.microsoft.com/office/drawing/2014/main" id="{1E1659C0-18C2-4C9D-A25E-B05A8CE4C5B1}"/>
+              </a:ext>
+            </a:extLst>
+          </p:cNvPr>
+          <p:cNvSpPr txBox="1"/>
+          <p:nvPr/>
+        </p:nvSpPr>
+        <p:spPr>
+          <a:xfrm>
+            <a:off x="1721768" y="3649588"/>
+            <a:ext cx="5249322" cy="738664"/>
+          </a:xfrm>
+          <a:prstGeom prst="rect">
+            <a:avLst/>
+          </a:prstGeom>
+        </p:spPr>
+        <p:style>
+          <a:lnRef idx="1">
+            <a:schemeClr val="accent3"/>
+          </a:lnRef>
+          <a:fillRef idx="2">
+            <a:schemeClr val="accent3"/>
+          </a:fillRef>
+          <a:effectRef idx="1">
+            <a:schemeClr val="accent3"/>
+          </a:effectRef>
+          <a:fontRef idx="minor">
+            <a:schemeClr val="dk1"/>
+          </a:fontRef>
+        </p:style>
+        <p:txBody>
+          <a:bodyPr wrap="none" rtlCol="0">
+            <a:spAutoFit/>
+          </a:bodyPr>
+          <a:lstStyle/>
+          <a:p>
+            <a:endParaRPr lang="de-DE" sz="1400" dirty="0"/>
+          </a:p>
+          <a:p>
+            <a:r>
+              <a:rPr lang="de-DE" sz="1400" dirty="0" err="1"/>
+              <a:t>mockPerson.Setup</a:t>
+            </a:r>
+            <a:r>
+              <a:rPr lang="de-DE" sz="1400" dirty="0"/>
+              <a:t>(x =&gt; </a:t>
+            </a:r>
+            <a:r>
+              <a:rPr lang="de-DE" sz="1400" dirty="0" err="1"/>
+              <a:t>x.GenerateAnrede</a:t>
+            </a:r>
+            <a:r>
+              <a:rPr lang="de-DE" sz="1400" dirty="0"/>
+              <a:t>()).Returns("Peter Meyer");</a:t>
+            </a:r>
+          </a:p>
+          <a:p>
+            <a:endParaRPr lang="de-DE" sz="1400" dirty="0"/>
           </a:p>
         </p:txBody>
       </p:sp>
     </p:spTree>
     <p:extLst>
       <p:ext uri="{BB962C8B-B14F-4D97-AF65-F5344CB8AC3E}">
-        <p14:creationId xmlns:p14="http://schemas.microsoft.com/office/powerpoint/2010/main" val="1415528506"/>
+        <p14:creationId xmlns:p14="http://schemas.microsoft.com/office/powerpoint/2010/main" val="3244055685"/>
       </p:ext>
     </p:extLst>
   </p:cSld>
@@ -11712,7 +11595,7 @@
           <p:cNvPr id="2" name="Titel 1">
             <a:extLst>
               <a:ext uri="{FF2B5EF4-FFF2-40B4-BE49-F238E27FC236}">
-                <a16:creationId xmlns:a16="http://schemas.microsoft.com/office/drawing/2014/main" id="{BFC76EF6-26B8-46ED-86EE-26CB3571860B}"/>
+                <a16:creationId xmlns:a16="http://schemas.microsoft.com/office/drawing/2014/main" id="{760C86A1-E739-4AD2-8EE3-F2CD3DD760CB}"/>
               </a:ext>
             </a:extLst>
           </p:cNvPr>
@@ -11729,57 +11612,168 @@
           <a:lstStyle/>
           <a:p>
             <a:r>
-              <a:rPr lang="de-DE" dirty="0" err="1"/>
-              <a:t>Moq</a:t>
-            </a:r>
-            <a:r>
-              <a:rPr lang="de-DE" dirty="0"/>
-              <a:t>-Setup</a:t>
-            </a:r>
-          </a:p>
-        </p:txBody>
-      </p:sp>
-      <p:sp>
-        <p:nvSpPr>
-          <p:cNvPr id="3" name="Inhaltsplatzhalter 2">
+              <a:rPr lang="de-DE" dirty="0"/>
+              <a:t>Regeln für Methoden (2)</a:t>
+            </a:r>
+          </a:p>
+        </p:txBody>
+      </p:sp>
+      <p:sp>
+        <p:nvSpPr>
+          <p:cNvPr id="4" name="Textfeld 3">
             <a:extLst>
               <a:ext uri="{FF2B5EF4-FFF2-40B4-BE49-F238E27FC236}">
-                <a16:creationId xmlns:a16="http://schemas.microsoft.com/office/drawing/2014/main" id="{21701884-EA0B-431A-95B5-006D664A178A}"/>
+                <a16:creationId xmlns:a16="http://schemas.microsoft.com/office/drawing/2014/main" id="{1C9E341A-3F3B-41D0-A8D2-0240CDD2509B}"/>
               </a:ext>
             </a:extLst>
           </p:cNvPr>
-          <p:cNvSpPr>
-            <a:spLocks noGrp="1"/>
-          </p:cNvSpPr>
-          <p:nvPr>
-            <p:ph sz="quarter" idx="16"/>
-          </p:nvPr>
-        </p:nvSpPr>
-        <p:spPr/>
-        <p:txBody>
-          <a:bodyPr/>
+          <p:cNvSpPr txBox="1"/>
+          <p:nvPr/>
+        </p:nvSpPr>
+        <p:spPr>
+          <a:xfrm>
+            <a:off x="497632" y="1633364"/>
+            <a:ext cx="6384440" cy="307777"/>
+          </a:xfrm>
+          <a:prstGeom prst="rect">
+            <a:avLst/>
+          </a:prstGeom>
+        </p:spPr>
+        <p:style>
+          <a:lnRef idx="1">
+            <a:schemeClr val="accent3"/>
+          </a:lnRef>
+          <a:fillRef idx="2">
+            <a:schemeClr val="accent3"/>
+          </a:fillRef>
+          <a:effectRef idx="1">
+            <a:schemeClr val="accent3"/>
+          </a:effectRef>
+          <a:fontRef idx="minor">
+            <a:schemeClr val="dk1"/>
+          </a:fontRef>
+        </p:style>
+        <p:txBody>
+          <a:bodyPr wrap="none" rtlCol="0">
+            <a:spAutoFit/>
+          </a:bodyPr>
           <a:lstStyle/>
           <a:p>
             <a:r>
-              <a:rPr lang="de-DE" dirty="0"/>
-              <a:t>Einmal festgelegte Werte</a:t>
-            </a:r>
-          </a:p>
-          <a:p>
-            <a:r>
-              <a:rPr lang="de-DE" dirty="0"/>
-              <a:t>Können nicht verändert werden</a:t>
-            </a:r>
-          </a:p>
-          <a:p>
-            <a:endParaRPr lang="de-DE" dirty="0"/>
+              <a:rPr lang="en-US" sz="1400" dirty="0" err="1"/>
+              <a:t>mock.Setup</a:t>
+            </a:r>
+            <a:r>
+              <a:rPr lang="en-US" sz="1400" dirty="0"/>
+              <a:t>(foo =&gt; </a:t>
+            </a:r>
+            <a:r>
+              <a:rPr lang="en-US" sz="1400" dirty="0" err="1"/>
+              <a:t>foo.DoSomething</a:t>
+            </a:r>
+            <a:r>
+              <a:rPr lang="en-US" sz="1400" dirty="0"/>
+              <a:t>("reset")).Throws&lt;</a:t>
+            </a:r>
+            <a:r>
+              <a:rPr lang="en-US" sz="1400" dirty="0" err="1"/>
+              <a:t>InvalidOperationException</a:t>
+            </a:r>
+            <a:r>
+              <a:rPr lang="en-US" sz="1400" dirty="0"/>
+              <a:t>&gt;();</a:t>
+            </a:r>
+            <a:endParaRPr lang="de-DE" sz="1400" dirty="0"/>
+          </a:p>
+        </p:txBody>
+      </p:sp>
+      <p:sp>
+        <p:nvSpPr>
+          <p:cNvPr id="5" name="Textfeld 4">
+            <a:extLst>
+              <a:ext uri="{FF2B5EF4-FFF2-40B4-BE49-F238E27FC236}">
+                <a16:creationId xmlns:a16="http://schemas.microsoft.com/office/drawing/2014/main" id="{1E1659C0-18C2-4C9D-A25E-B05A8CE4C5B1}"/>
+              </a:ext>
+            </a:extLst>
+          </p:cNvPr>
+          <p:cNvSpPr txBox="1"/>
+          <p:nvPr/>
+        </p:nvSpPr>
+        <p:spPr>
+          <a:xfrm>
+            <a:off x="1505744" y="3215293"/>
+            <a:ext cx="5472608" cy="523220"/>
+          </a:xfrm>
+          <a:prstGeom prst="rect">
+            <a:avLst/>
+          </a:prstGeom>
+        </p:spPr>
+        <p:style>
+          <a:lnRef idx="1">
+            <a:schemeClr val="accent3"/>
+          </a:lnRef>
+          <a:fillRef idx="2">
+            <a:schemeClr val="accent3"/>
+          </a:fillRef>
+          <a:effectRef idx="1">
+            <a:schemeClr val="accent3"/>
+          </a:effectRef>
+          <a:fontRef idx="minor">
+            <a:schemeClr val="dk1"/>
+          </a:fontRef>
+        </p:style>
+        <p:txBody>
+          <a:bodyPr wrap="square" rtlCol="0">
+            <a:spAutoFit/>
+          </a:bodyPr>
+          <a:lstStyle/>
+          <a:p>
+            <a:r>
+              <a:rPr lang="en-US" sz="1400" dirty="0" err="1"/>
+              <a:t>mock.Setup</a:t>
+            </a:r>
+            <a:r>
+              <a:rPr lang="en-US" sz="1400" dirty="0"/>
+              <a:t>(x =&gt; </a:t>
+            </a:r>
+            <a:r>
+              <a:rPr lang="en-US" sz="1400" dirty="0" err="1"/>
+              <a:t>x.DoSomethingStringy</a:t>
+            </a:r>
+            <a:r>
+              <a:rPr lang="en-US" sz="1400" dirty="0"/>
+              <a:t>(</a:t>
+            </a:r>
+            <a:r>
+              <a:rPr lang="en-US" sz="1400" dirty="0" err="1"/>
+              <a:t>It.IsAny</a:t>
+            </a:r>
+            <a:r>
+              <a:rPr lang="en-US" sz="1400" dirty="0"/>
+              <a:t>&lt;string&gt;()))</a:t>
+            </a:r>
+          </a:p>
+          <a:p>
+            <a:r>
+              <a:rPr lang="en-US" sz="1400" dirty="0"/>
+              <a:t>		.Returns((string s) =&gt; </a:t>
+            </a:r>
+            <a:r>
+              <a:rPr lang="en-US" sz="1400" dirty="0" err="1"/>
+              <a:t>s.ToLower</a:t>
+            </a:r>
+            <a:r>
+              <a:rPr lang="en-US" sz="1400" dirty="0"/>
+              <a:t>());</a:t>
+            </a:r>
+            <a:endParaRPr lang="de-DE" sz="1400" dirty="0"/>
           </a:p>
         </p:txBody>
       </p:sp>
     </p:spTree>
     <p:extLst>
       <p:ext uri="{BB962C8B-B14F-4D97-AF65-F5344CB8AC3E}">
-        <p14:creationId xmlns:p14="http://schemas.microsoft.com/office/powerpoint/2010/main" val="3815391791"/>
+        <p14:creationId xmlns:p14="http://schemas.microsoft.com/office/powerpoint/2010/main" val="1745207639"/>
       </p:ext>
     </p:extLst>
   </p:cSld>
@@ -11808,13 +11802,7 @@
       </p:grpSpPr>
       <p:sp>
         <p:nvSpPr>
-          <p:cNvPr id="2" name="Titel 1">
-            <a:extLst>
-              <a:ext uri="{FF2B5EF4-FFF2-40B4-BE49-F238E27FC236}">
-                <a16:creationId xmlns:a16="http://schemas.microsoft.com/office/drawing/2014/main" id="{F48D616E-1346-4800-BDDE-9A43E6AF86F3}"/>
-              </a:ext>
-            </a:extLst>
-          </p:cNvPr>
+          <p:cNvPr id="2" name="Titel 1"/>
           <p:cNvSpPr>
             <a:spLocks noGrp="1"/>
           </p:cNvSpPr>
@@ -11828,25 +11816,15 @@
           <a:lstStyle/>
           <a:p>
             <a:r>
-              <a:rPr lang="de-DE" dirty="0" err="1"/>
-              <a:t>Moq</a:t>
-            </a:r>
-            <a:r>
-              <a:rPr lang="de-DE" dirty="0"/>
-              <a:t>-Properties</a:t>
-            </a:r>
-          </a:p>
-        </p:txBody>
-      </p:sp>
-      <p:sp>
-        <p:nvSpPr>
-          <p:cNvPr id="3" name="Inhaltsplatzhalter 2">
-            <a:extLst>
-              <a:ext uri="{FF2B5EF4-FFF2-40B4-BE49-F238E27FC236}">
-                <a16:creationId xmlns:a16="http://schemas.microsoft.com/office/drawing/2014/main" id="{981711A3-761A-47FC-A36A-03D976FCC931}"/>
-              </a:ext>
-            </a:extLst>
-          </p:cNvPr>
+              <a:rPr lang="de-DE" dirty="0"/>
+              <a:t>Mock Controller</a:t>
+            </a:r>
+          </a:p>
+        </p:txBody>
+      </p:sp>
+      <p:sp>
+        <p:nvSpPr>
+          <p:cNvPr id="3" name="Inhaltsplatzhalter 2"/>
           <p:cNvSpPr>
             <a:spLocks noGrp="1"/>
           </p:cNvSpPr>
@@ -11861,41 +11839,21 @@
           <a:p>
             <a:r>
               <a:rPr lang="de-DE" dirty="0"/>
-              <a:t>Können </a:t>
-            </a:r>
-            <a:r>
-              <a:rPr lang="de-DE" dirty="0" err="1"/>
-              <a:t>gesetz</a:t>
-            </a:r>
-            <a:r>
-              <a:rPr lang="de-DE" dirty="0"/>
-              <a:t> werden </a:t>
-            </a:r>
-          </a:p>
-          <a:p>
-            <a:r>
-              <a:rPr lang="de-DE" dirty="0"/>
-              <a:t>Dürfen zur Laufzeit geändert werden</a:t>
-            </a:r>
-          </a:p>
-        </p:txBody>
-      </p:sp>
-      <p:sp>
-        <p:nvSpPr>
-          <p:cNvPr id="4" name="Textfeld 3">
-            <a:extLst>
-              <a:ext uri="{FF2B5EF4-FFF2-40B4-BE49-F238E27FC236}">
-                <a16:creationId xmlns:a16="http://schemas.microsoft.com/office/drawing/2014/main" id="{10B14A3B-D99A-4E28-AB7D-AE712B920D64}"/>
-              </a:ext>
-            </a:extLst>
-          </p:cNvPr>
+              <a:t>Ein Objekt mit definierten Eigenschaften für den Test</a:t>
+            </a:r>
+          </a:p>
+        </p:txBody>
+      </p:sp>
+      <p:sp>
+        <p:nvSpPr>
+          <p:cNvPr id="4" name="Textfeld 3"/>
           <p:cNvSpPr txBox="1"/>
           <p:nvPr/>
         </p:nvSpPr>
         <p:spPr>
           <a:xfrm>
-            <a:off x="1649760" y="2205389"/>
-            <a:ext cx="4069447" cy="1169551"/>
+            <a:off x="1047064" y="1777380"/>
+            <a:ext cx="5525872" cy="2606739"/>
           </a:xfrm>
           <a:prstGeom prst="rect">
             <a:avLst/>
@@ -11922,47 +11880,254 @@
           <a:lstStyle/>
           <a:p>
             <a:r>
-              <a:rPr lang="de-DE" sz="1400" dirty="0" err="1"/>
-              <a:t>mockPerson.SetupProperty</a:t>
-            </a:r>
-            <a:r>
-              <a:rPr lang="de-DE" sz="1400" dirty="0"/>
-              <a:t>(x =&gt; </a:t>
-            </a:r>
-            <a:r>
-              <a:rPr lang="de-DE" sz="1400" dirty="0" err="1"/>
-              <a:t>x.Vorname</a:t>
-            </a:r>
-            <a:r>
-              <a:rPr lang="de-DE" sz="1400" dirty="0"/>
-              <a:t>, "Peter");</a:t>
-            </a:r>
-          </a:p>
-          <a:p>
-            <a:endParaRPr lang="de-DE" sz="1400" dirty="0"/>
-          </a:p>
-          <a:p>
-            <a:endParaRPr lang="de-DE" sz="1400" dirty="0"/>
-          </a:p>
-          <a:p>
-            <a:r>
-              <a:rPr lang="de-DE" sz="1400" dirty="0" err="1"/>
-              <a:t>mockPerson.Object.Vorname</a:t>
-            </a:r>
-            <a:r>
-              <a:rPr lang="de-DE" sz="1400" dirty="0"/>
-              <a:t>=„x“;</a:t>
-            </a:r>
-          </a:p>
-          <a:p>
-            <a:endParaRPr lang="de-DE" sz="1400" dirty="0"/>
+              <a:rPr lang="de-DE" sz="1167" dirty="0" err="1"/>
+              <a:t>public</a:t>
+            </a:r>
+            <a:r>
+              <a:rPr lang="de-DE" sz="1167" dirty="0"/>
+              <a:t> </a:t>
+            </a:r>
+            <a:r>
+              <a:rPr lang="de-DE" sz="1167" dirty="0" err="1"/>
+              <a:t>static</a:t>
+            </a:r>
+            <a:r>
+              <a:rPr lang="de-DE" sz="1167" dirty="0"/>
+              <a:t> T </a:t>
+            </a:r>
+            <a:r>
+              <a:rPr lang="de-DE" sz="1167" dirty="0" err="1"/>
+              <a:t>CreateControllerAsAnonym</a:t>
+            </a:r>
+            <a:r>
+              <a:rPr lang="de-DE" sz="1167" dirty="0"/>
+              <a:t>&lt;T&gt;()</a:t>
+            </a:r>
+          </a:p>
+          <a:p>
+            <a:r>
+              <a:rPr lang="de-DE" sz="1167" dirty="0"/>
+              <a:t>           </a:t>
+            </a:r>
+            <a:r>
+              <a:rPr lang="de-DE" sz="1167" dirty="0" err="1"/>
+              <a:t>where</a:t>
+            </a:r>
+            <a:r>
+              <a:rPr lang="de-DE" sz="1167" dirty="0"/>
+              <a:t> T : Controller, </a:t>
+            </a:r>
+            <a:r>
+              <a:rPr lang="de-DE" sz="1167" dirty="0" err="1"/>
+              <a:t>new</a:t>
+            </a:r>
+            <a:r>
+              <a:rPr lang="de-DE" sz="1167" dirty="0"/>
+              <a:t>()</a:t>
+            </a:r>
+          </a:p>
+          <a:p>
+            <a:r>
+              <a:rPr lang="de-DE" sz="1167" dirty="0"/>
+              <a:t>{</a:t>
+            </a:r>
+          </a:p>
+          <a:p>
+            <a:endParaRPr lang="de-DE" sz="1167" dirty="0"/>
+          </a:p>
+          <a:p>
+            <a:r>
+              <a:rPr lang="de-DE" sz="1167" dirty="0"/>
+              <a:t>            </a:t>
+            </a:r>
+            <a:r>
+              <a:rPr lang="de-DE" sz="1167" dirty="0" err="1"/>
+              <a:t>var</a:t>
+            </a:r>
+            <a:r>
+              <a:rPr lang="de-DE" sz="1167" dirty="0"/>
+              <a:t> </a:t>
+            </a:r>
+            <a:r>
+              <a:rPr lang="de-DE" sz="1167" dirty="0" err="1"/>
+              <a:t>mock</a:t>
+            </a:r>
+            <a:r>
+              <a:rPr lang="de-DE" sz="1167" dirty="0"/>
+              <a:t> = </a:t>
+            </a:r>
+            <a:r>
+              <a:rPr lang="de-DE" sz="1167" dirty="0" err="1"/>
+              <a:t>new</a:t>
+            </a:r>
+            <a:r>
+              <a:rPr lang="de-DE" sz="1167" dirty="0"/>
+              <a:t> Mock&lt;</a:t>
+            </a:r>
+            <a:r>
+              <a:rPr lang="de-DE" sz="1167" dirty="0" err="1"/>
+              <a:t>ControllerContext</a:t>
+            </a:r>
+            <a:r>
+              <a:rPr lang="de-DE" sz="1167" dirty="0"/>
+              <a:t>&gt;();</a:t>
+            </a:r>
+          </a:p>
+          <a:p>
+            <a:r>
+              <a:rPr lang="de-DE" sz="1167" dirty="0"/>
+              <a:t>            </a:t>
+            </a:r>
+            <a:r>
+              <a:rPr lang="de-DE" sz="1167" dirty="0" err="1"/>
+              <a:t>mock.SetupGet</a:t>
+            </a:r>
+            <a:r>
+              <a:rPr lang="de-DE" sz="1167" dirty="0"/>
+              <a:t>(p =&gt; </a:t>
+            </a:r>
+            <a:r>
+              <a:rPr lang="de-DE" sz="1167" dirty="0" err="1"/>
+              <a:t>p.HttpContext.User.Identity.IsAuthenticated</a:t>
+            </a:r>
+            <a:r>
+              <a:rPr lang="de-DE" sz="1167" dirty="0"/>
+              <a:t>).Returns(</a:t>
+            </a:r>
+            <a:r>
+              <a:rPr lang="de-DE" sz="1167" dirty="0" err="1"/>
+              <a:t>false</a:t>
+            </a:r>
+            <a:r>
+              <a:rPr lang="de-DE" sz="1167" dirty="0"/>
+              <a:t>);</a:t>
+            </a:r>
+          </a:p>
+          <a:p>
+            <a:r>
+              <a:rPr lang="de-DE" sz="1167" dirty="0"/>
+              <a:t>            </a:t>
+            </a:r>
+            <a:r>
+              <a:rPr lang="de-DE" sz="1167" dirty="0" err="1"/>
+              <a:t>mock.SetupGet</a:t>
+            </a:r>
+            <a:r>
+              <a:rPr lang="de-DE" sz="1167" dirty="0"/>
+              <a:t>(p =&gt; </a:t>
+            </a:r>
+            <a:r>
+              <a:rPr lang="de-DE" sz="1167" dirty="0" err="1"/>
+              <a:t>p.HttpContext.Request.IsAuthenticated</a:t>
+            </a:r>
+            <a:r>
+              <a:rPr lang="de-DE" sz="1167" dirty="0"/>
+              <a:t>).Returns(</a:t>
+            </a:r>
+            <a:r>
+              <a:rPr lang="de-DE" sz="1167" dirty="0" err="1"/>
+              <a:t>false</a:t>
+            </a:r>
+            <a:r>
+              <a:rPr lang="de-DE" sz="1167" dirty="0"/>
+              <a:t>);</a:t>
+            </a:r>
+          </a:p>
+          <a:p>
+            <a:endParaRPr lang="de-DE" sz="1167" dirty="0"/>
+          </a:p>
+          <a:p>
+            <a:endParaRPr lang="de-DE" sz="1167" dirty="0"/>
+          </a:p>
+          <a:p>
+            <a:r>
+              <a:rPr lang="de-DE" sz="1167" dirty="0"/>
+              <a:t>            </a:t>
+            </a:r>
+            <a:r>
+              <a:rPr lang="de-DE" sz="1167" dirty="0" err="1"/>
+              <a:t>var</a:t>
+            </a:r>
+            <a:r>
+              <a:rPr lang="de-DE" sz="1167" dirty="0"/>
+              <a:t> </a:t>
+            </a:r>
+            <a:r>
+              <a:rPr lang="de-DE" sz="1167" dirty="0" err="1"/>
+              <a:t>controller</a:t>
+            </a:r>
+            <a:r>
+              <a:rPr lang="de-DE" sz="1167" dirty="0"/>
+              <a:t> = </a:t>
+            </a:r>
+            <a:r>
+              <a:rPr lang="de-DE" sz="1167" dirty="0" err="1"/>
+              <a:t>new</a:t>
+            </a:r>
+            <a:r>
+              <a:rPr lang="de-DE" sz="1167" dirty="0"/>
+              <a:t> T();</a:t>
+            </a:r>
+          </a:p>
+          <a:p>
+            <a:r>
+              <a:rPr lang="de-DE" sz="1167" dirty="0"/>
+              <a:t>            </a:t>
+            </a:r>
+            <a:r>
+              <a:rPr lang="de-DE" sz="1167" dirty="0" err="1"/>
+              <a:t>controller.ControllerContext</a:t>
+            </a:r>
+            <a:r>
+              <a:rPr lang="de-DE" sz="1167" dirty="0"/>
+              <a:t> = </a:t>
+            </a:r>
+            <a:r>
+              <a:rPr lang="de-DE" sz="1167" dirty="0" err="1"/>
+              <a:t>mock.Object</a:t>
+            </a:r>
+            <a:r>
+              <a:rPr lang="de-DE" sz="1167" dirty="0"/>
+              <a:t>;</a:t>
+            </a:r>
+          </a:p>
+          <a:p>
+            <a:endParaRPr lang="de-DE" sz="1167" dirty="0"/>
+          </a:p>
+          <a:p>
+            <a:r>
+              <a:rPr lang="de-DE" sz="1167" dirty="0"/>
+              <a:t>            </a:t>
+            </a:r>
+            <a:r>
+              <a:rPr lang="de-DE" sz="1167" dirty="0" err="1"/>
+              <a:t>return</a:t>
+            </a:r>
+            <a:r>
+              <a:rPr lang="de-DE" sz="1167" dirty="0"/>
+              <a:t> </a:t>
+            </a:r>
+            <a:r>
+              <a:rPr lang="de-DE" sz="1167" dirty="0" err="1"/>
+              <a:t>controller</a:t>
+            </a:r>
+            <a:r>
+              <a:rPr lang="de-DE" sz="1167" dirty="0"/>
+              <a:t>;</a:t>
+            </a:r>
+          </a:p>
+          <a:p>
+            <a:r>
+              <a:rPr lang="de-DE" sz="1167" dirty="0"/>
+              <a:t>}</a:t>
+            </a:r>
           </a:p>
         </p:txBody>
       </p:sp>
     </p:spTree>
     <p:extLst>
       <p:ext uri="{BB962C8B-B14F-4D97-AF65-F5344CB8AC3E}">
-        <p14:creationId xmlns:p14="http://schemas.microsoft.com/office/powerpoint/2010/main" val="1075917712"/>
+        <p14:creationId xmlns:p14="http://schemas.microsoft.com/office/powerpoint/2010/main" val="1415528506"/>
       </p:ext>
     </p:extLst>
   </p:cSld>
@@ -11994,6 +12159,288 @@
           <p:cNvPr id="2" name="Titel 1">
             <a:extLst>
               <a:ext uri="{FF2B5EF4-FFF2-40B4-BE49-F238E27FC236}">
+                <a16:creationId xmlns:a16="http://schemas.microsoft.com/office/drawing/2014/main" id="{BFC76EF6-26B8-46ED-86EE-26CB3571860B}"/>
+              </a:ext>
+            </a:extLst>
+          </p:cNvPr>
+          <p:cNvSpPr>
+            <a:spLocks noGrp="1"/>
+          </p:cNvSpPr>
+          <p:nvPr>
+            <p:ph type="title"/>
+          </p:nvPr>
+        </p:nvSpPr>
+        <p:spPr/>
+        <p:txBody>
+          <a:bodyPr/>
+          <a:lstStyle/>
+          <a:p>
+            <a:r>
+              <a:rPr lang="de-DE" dirty="0" err="1"/>
+              <a:t>Moq</a:t>
+            </a:r>
+            <a:r>
+              <a:rPr lang="de-DE" dirty="0"/>
+              <a:t>-Setup</a:t>
+            </a:r>
+          </a:p>
+        </p:txBody>
+      </p:sp>
+      <p:sp>
+        <p:nvSpPr>
+          <p:cNvPr id="3" name="Inhaltsplatzhalter 2">
+            <a:extLst>
+              <a:ext uri="{FF2B5EF4-FFF2-40B4-BE49-F238E27FC236}">
+                <a16:creationId xmlns:a16="http://schemas.microsoft.com/office/drawing/2014/main" id="{21701884-EA0B-431A-95B5-006D664A178A}"/>
+              </a:ext>
+            </a:extLst>
+          </p:cNvPr>
+          <p:cNvSpPr>
+            <a:spLocks noGrp="1"/>
+          </p:cNvSpPr>
+          <p:nvPr>
+            <p:ph sz="quarter" idx="16"/>
+          </p:nvPr>
+        </p:nvSpPr>
+        <p:spPr/>
+        <p:txBody>
+          <a:bodyPr/>
+          <a:lstStyle/>
+          <a:p>
+            <a:r>
+              <a:rPr lang="de-DE" dirty="0"/>
+              <a:t>Einmal festgelegte Werte</a:t>
+            </a:r>
+          </a:p>
+          <a:p>
+            <a:r>
+              <a:rPr lang="de-DE" dirty="0"/>
+              <a:t>Können nicht verändert werden</a:t>
+            </a:r>
+          </a:p>
+          <a:p>
+            <a:endParaRPr lang="de-DE" dirty="0"/>
+          </a:p>
+        </p:txBody>
+      </p:sp>
+    </p:spTree>
+    <p:extLst>
+      <p:ext uri="{BB962C8B-B14F-4D97-AF65-F5344CB8AC3E}">
+        <p14:creationId xmlns:p14="http://schemas.microsoft.com/office/powerpoint/2010/main" val="3815391791"/>
+      </p:ext>
+    </p:extLst>
+  </p:cSld>
+  <p:clrMapOvr>
+    <a:masterClrMapping/>
+  </p:clrMapOvr>
+</p:sld>
+</file>
+
+<file path=ppt/slides/slide35.xml><?xml version="1.0" encoding="utf-8"?>
+<p:sld xmlns:a="http://schemas.openxmlformats.org/drawingml/2006/main" xmlns:r="http://schemas.openxmlformats.org/officeDocument/2006/relationships" xmlns:p="http://schemas.openxmlformats.org/presentationml/2006/main">
+  <p:cSld>
+    <p:spTree>
+      <p:nvGrpSpPr>
+        <p:cNvPr id="1" name=""/>
+        <p:cNvGrpSpPr/>
+        <p:nvPr/>
+      </p:nvGrpSpPr>
+      <p:grpSpPr>
+        <a:xfrm>
+          <a:off x="0" y="0"/>
+          <a:ext cx="0" cy="0"/>
+          <a:chOff x="0" y="0"/>
+          <a:chExt cx="0" cy="0"/>
+        </a:xfrm>
+      </p:grpSpPr>
+      <p:sp>
+        <p:nvSpPr>
+          <p:cNvPr id="2" name="Titel 1">
+            <a:extLst>
+              <a:ext uri="{FF2B5EF4-FFF2-40B4-BE49-F238E27FC236}">
+                <a16:creationId xmlns:a16="http://schemas.microsoft.com/office/drawing/2014/main" id="{F48D616E-1346-4800-BDDE-9A43E6AF86F3}"/>
+              </a:ext>
+            </a:extLst>
+          </p:cNvPr>
+          <p:cNvSpPr>
+            <a:spLocks noGrp="1"/>
+          </p:cNvSpPr>
+          <p:nvPr>
+            <p:ph type="title"/>
+          </p:nvPr>
+        </p:nvSpPr>
+        <p:spPr/>
+        <p:txBody>
+          <a:bodyPr/>
+          <a:lstStyle/>
+          <a:p>
+            <a:r>
+              <a:rPr lang="de-DE" dirty="0" err="1"/>
+              <a:t>Moq</a:t>
+            </a:r>
+            <a:r>
+              <a:rPr lang="de-DE" dirty="0"/>
+              <a:t>-Properties</a:t>
+            </a:r>
+          </a:p>
+        </p:txBody>
+      </p:sp>
+      <p:sp>
+        <p:nvSpPr>
+          <p:cNvPr id="3" name="Inhaltsplatzhalter 2">
+            <a:extLst>
+              <a:ext uri="{FF2B5EF4-FFF2-40B4-BE49-F238E27FC236}">
+                <a16:creationId xmlns:a16="http://schemas.microsoft.com/office/drawing/2014/main" id="{981711A3-761A-47FC-A36A-03D976FCC931}"/>
+              </a:ext>
+            </a:extLst>
+          </p:cNvPr>
+          <p:cNvSpPr>
+            <a:spLocks noGrp="1"/>
+          </p:cNvSpPr>
+          <p:nvPr>
+            <p:ph sz="quarter" idx="16"/>
+          </p:nvPr>
+        </p:nvSpPr>
+        <p:spPr/>
+        <p:txBody>
+          <a:bodyPr/>
+          <a:lstStyle/>
+          <a:p>
+            <a:r>
+              <a:rPr lang="de-DE" dirty="0"/>
+              <a:t>Können </a:t>
+            </a:r>
+            <a:r>
+              <a:rPr lang="de-DE" dirty="0" err="1"/>
+              <a:t>gesetz</a:t>
+            </a:r>
+            <a:r>
+              <a:rPr lang="de-DE" dirty="0"/>
+              <a:t> werden </a:t>
+            </a:r>
+          </a:p>
+          <a:p>
+            <a:r>
+              <a:rPr lang="de-DE" dirty="0"/>
+              <a:t>Dürfen zur Laufzeit geändert werden</a:t>
+            </a:r>
+          </a:p>
+        </p:txBody>
+      </p:sp>
+      <p:sp>
+        <p:nvSpPr>
+          <p:cNvPr id="4" name="Textfeld 3">
+            <a:extLst>
+              <a:ext uri="{FF2B5EF4-FFF2-40B4-BE49-F238E27FC236}">
+                <a16:creationId xmlns:a16="http://schemas.microsoft.com/office/drawing/2014/main" id="{10B14A3B-D99A-4E28-AB7D-AE712B920D64}"/>
+              </a:ext>
+            </a:extLst>
+          </p:cNvPr>
+          <p:cNvSpPr txBox="1"/>
+          <p:nvPr/>
+        </p:nvSpPr>
+        <p:spPr>
+          <a:xfrm>
+            <a:off x="1649760" y="2205389"/>
+            <a:ext cx="4069447" cy="1169551"/>
+          </a:xfrm>
+          <a:prstGeom prst="rect">
+            <a:avLst/>
+          </a:prstGeom>
+        </p:spPr>
+        <p:style>
+          <a:lnRef idx="1">
+            <a:schemeClr val="accent3"/>
+          </a:lnRef>
+          <a:fillRef idx="2">
+            <a:schemeClr val="accent3"/>
+          </a:fillRef>
+          <a:effectRef idx="1">
+            <a:schemeClr val="accent3"/>
+          </a:effectRef>
+          <a:fontRef idx="minor">
+            <a:schemeClr val="dk1"/>
+          </a:fontRef>
+        </p:style>
+        <p:txBody>
+          <a:bodyPr wrap="none" rtlCol="0">
+            <a:spAutoFit/>
+          </a:bodyPr>
+          <a:lstStyle/>
+          <a:p>
+            <a:r>
+              <a:rPr lang="de-DE" sz="1400" dirty="0" err="1"/>
+              <a:t>mockPerson.SetupProperty</a:t>
+            </a:r>
+            <a:r>
+              <a:rPr lang="de-DE" sz="1400" dirty="0"/>
+              <a:t>(x =&gt; </a:t>
+            </a:r>
+            <a:r>
+              <a:rPr lang="de-DE" sz="1400" dirty="0" err="1"/>
+              <a:t>x.Vorname</a:t>
+            </a:r>
+            <a:r>
+              <a:rPr lang="de-DE" sz="1400" dirty="0"/>
+              <a:t>, "Peter");</a:t>
+            </a:r>
+          </a:p>
+          <a:p>
+            <a:endParaRPr lang="de-DE" sz="1400" dirty="0"/>
+          </a:p>
+          <a:p>
+            <a:endParaRPr lang="de-DE" sz="1400" dirty="0"/>
+          </a:p>
+          <a:p>
+            <a:r>
+              <a:rPr lang="de-DE" sz="1400" dirty="0" err="1"/>
+              <a:t>mockPerson.Object.Vorname</a:t>
+            </a:r>
+            <a:r>
+              <a:rPr lang="de-DE" sz="1400" dirty="0"/>
+              <a:t>=„x“;</a:t>
+            </a:r>
+          </a:p>
+          <a:p>
+            <a:endParaRPr lang="de-DE" sz="1400" dirty="0"/>
+          </a:p>
+        </p:txBody>
+      </p:sp>
+    </p:spTree>
+    <p:extLst>
+      <p:ext uri="{BB962C8B-B14F-4D97-AF65-F5344CB8AC3E}">
+        <p14:creationId xmlns:p14="http://schemas.microsoft.com/office/powerpoint/2010/main" val="1075917712"/>
+      </p:ext>
+    </p:extLst>
+  </p:cSld>
+  <p:clrMapOvr>
+    <a:masterClrMapping/>
+  </p:clrMapOvr>
+</p:sld>
+</file>
+
+<file path=ppt/slides/slide36.xml><?xml version="1.0" encoding="utf-8"?>
+<p:sld xmlns:a="http://schemas.openxmlformats.org/drawingml/2006/main" xmlns:r="http://schemas.openxmlformats.org/officeDocument/2006/relationships" xmlns:p="http://schemas.openxmlformats.org/presentationml/2006/main">
+  <p:cSld>
+    <p:spTree>
+      <p:nvGrpSpPr>
+        <p:cNvPr id="1" name=""/>
+        <p:cNvGrpSpPr/>
+        <p:nvPr/>
+      </p:nvGrpSpPr>
+      <p:grpSpPr>
+        <a:xfrm>
+          <a:off x="0" y="0"/>
+          <a:ext cx="0" cy="0"/>
+          <a:chOff x="0" y="0"/>
+          <a:chExt cx="0" cy="0"/>
+        </a:xfrm>
+      </p:grpSpPr>
+      <p:sp>
+        <p:nvSpPr>
+          <p:cNvPr id="2" name="Titel 1">
+            <a:extLst>
+              <a:ext uri="{FF2B5EF4-FFF2-40B4-BE49-F238E27FC236}">
                 <a16:creationId xmlns:a16="http://schemas.microsoft.com/office/drawing/2014/main" id="{41DDD650-9DCE-4134-A2AE-F23D866FB51D}"/>
               </a:ext>
             </a:extLst>
@@ -12139,7 +12586,7 @@
 </p:sld>
 </file>
 
-<file path=ppt/slides/slide35.xml><?xml version="1.0" encoding="utf-8"?>
+<file path=ppt/slides/slide37.xml><?xml version="1.0" encoding="utf-8"?>
 <p:sld xmlns:a="http://schemas.openxmlformats.org/drawingml/2006/main" xmlns:r="http://schemas.openxmlformats.org/officeDocument/2006/relationships" xmlns:p="http://schemas.openxmlformats.org/presentationml/2006/main">
   <p:cSld>
     <p:spTree>
@@ -12681,7 +13128,7 @@
 </p:sld>
 </file>
 
-<file path=ppt/slides/slide36.xml><?xml version="1.0" encoding="utf-8"?>
+<file path=ppt/slides/slide38.xml><?xml version="1.0" encoding="utf-8"?>
 <p:sld xmlns:a="http://schemas.openxmlformats.org/drawingml/2006/main" xmlns:r="http://schemas.openxmlformats.org/officeDocument/2006/relationships" xmlns:p="http://schemas.openxmlformats.org/presentationml/2006/main">
   <p:cSld>
     <p:spTree>
@@ -13242,7 +13689,7 @@
 </p:sld>
 </file>
 
-<file path=ppt/slides/slide37.xml><?xml version="1.0" encoding="utf-8"?>
+<file path=ppt/slides/slide39.xml><?xml version="1.0" encoding="utf-8"?>
 <p:sld xmlns:a="http://schemas.openxmlformats.org/drawingml/2006/main" xmlns:r="http://schemas.openxmlformats.org/officeDocument/2006/relationships" xmlns:p="http://schemas.openxmlformats.org/presentationml/2006/main">
   <p:cSld>
     <p:spTree>
@@ -13778,212 +14225,6 @@
     <p:extLst>
       <p:ext uri="{BB962C8B-B14F-4D97-AF65-F5344CB8AC3E}">
         <p14:creationId xmlns:p14="http://schemas.microsoft.com/office/powerpoint/2010/main" val="1826687819"/>
-      </p:ext>
-    </p:extLst>
-  </p:cSld>
-  <p:clrMapOvr>
-    <a:masterClrMapping/>
-  </p:clrMapOvr>
-</p:sld>
-</file>
-
-<file path=ppt/slides/slide38.xml><?xml version="1.0" encoding="utf-8"?>
-<p:sld xmlns:a="http://schemas.openxmlformats.org/drawingml/2006/main" xmlns:r="http://schemas.openxmlformats.org/officeDocument/2006/relationships" xmlns:p="http://schemas.openxmlformats.org/presentationml/2006/main">
-  <p:cSld>
-    <p:spTree>
-      <p:nvGrpSpPr>
-        <p:cNvPr id="1" name="">
-          <a:extLst>
-            <a:ext uri="{FF2B5EF4-FFF2-40B4-BE49-F238E27FC236}">
-              <a16:creationId xmlns:a16="http://schemas.microsoft.com/office/drawing/2014/main" id="{6532B37A-4105-F041-58F1-052B82E4C8F5}"/>
-            </a:ext>
-          </a:extLst>
-        </p:cNvPr>
-        <p:cNvGrpSpPr/>
-        <p:nvPr/>
-      </p:nvGrpSpPr>
-      <p:grpSpPr>
-        <a:xfrm>
-          <a:off x="0" y="0"/>
-          <a:ext cx="0" cy="0"/>
-          <a:chOff x="0" y="0"/>
-          <a:chExt cx="0" cy="0"/>
-        </a:xfrm>
-      </p:grpSpPr>
-      <p:sp>
-        <p:nvSpPr>
-          <p:cNvPr id="2" name="Titel 1">
-            <a:extLst>
-              <a:ext uri="{FF2B5EF4-FFF2-40B4-BE49-F238E27FC236}">
-                <a16:creationId xmlns:a16="http://schemas.microsoft.com/office/drawing/2014/main" id="{CC31B456-CD81-0113-B7A1-0A8B806A8033}"/>
-              </a:ext>
-            </a:extLst>
-          </p:cNvPr>
-          <p:cNvSpPr>
-            <a:spLocks noGrp="1"/>
-          </p:cNvSpPr>
-          <p:nvPr>
-            <p:ph type="title"/>
-          </p:nvPr>
-        </p:nvSpPr>
-        <p:spPr/>
-        <p:txBody>
-          <a:bodyPr/>
-          <a:lstStyle/>
-          <a:p>
-            <a:r>
-              <a:rPr lang="de-DE" dirty="0"/>
-              <a:t>Demo</a:t>
-            </a:r>
-          </a:p>
-        </p:txBody>
-      </p:sp>
-      <p:sp>
-        <p:nvSpPr>
-          <p:cNvPr id="3" name="Inhaltsplatzhalter 2">
-            <a:extLst>
-              <a:ext uri="{FF2B5EF4-FFF2-40B4-BE49-F238E27FC236}">
-                <a16:creationId xmlns:a16="http://schemas.microsoft.com/office/drawing/2014/main" id="{CB4AD649-8666-46F9-CFC5-672E2531EB78}"/>
-              </a:ext>
-            </a:extLst>
-          </p:cNvPr>
-          <p:cNvSpPr>
-            <a:spLocks noGrp="1"/>
-          </p:cNvSpPr>
-          <p:nvPr>
-            <p:ph sz="quarter" idx="16"/>
-          </p:nvPr>
-        </p:nvSpPr>
-        <p:spPr>
-          <a:xfrm>
-            <a:off x="282224" y="941527"/>
-            <a:ext cx="7055554" cy="4128162"/>
-          </a:xfrm>
-        </p:spPr>
-        <p:txBody>
-          <a:bodyPr/>
-          <a:lstStyle/>
-          <a:p>
-            <a:pPr marL="0" indent="0">
-              <a:buNone/>
-            </a:pPr>
-            <a:r>
-              <a:rPr lang="de-DE" dirty="0"/>
-              <a:t>DEMO – </a:t>
-            </a:r>
-            <a:r>
-              <a:rPr lang="de-DE" dirty="0" err="1"/>
-              <a:t>Mocking</a:t>
-            </a:r>
-            <a:r>
-              <a:rPr lang="de-DE" dirty="0"/>
-              <a:t> (</a:t>
-            </a:r>
-            <a:r>
-              <a:rPr lang="de-DE" dirty="0" err="1"/>
-              <a:t>Moq</a:t>
-            </a:r>
-            <a:r>
-              <a:rPr lang="de-DE" dirty="0"/>
-              <a:t>)</a:t>
-            </a:r>
-          </a:p>
-        </p:txBody>
-      </p:sp>
-    </p:spTree>
-    <p:extLst>
-      <p:ext uri="{BB962C8B-B14F-4D97-AF65-F5344CB8AC3E}">
-        <p14:creationId xmlns:p14="http://schemas.microsoft.com/office/powerpoint/2010/main" val="3613123689"/>
-      </p:ext>
-    </p:extLst>
-  </p:cSld>
-  <p:clrMapOvr>
-    <a:masterClrMapping/>
-  </p:clrMapOvr>
-</p:sld>
-</file>
-
-<file path=ppt/slides/slide39.xml><?xml version="1.0" encoding="utf-8"?>
-<p:sld xmlns:a="http://schemas.openxmlformats.org/drawingml/2006/main" xmlns:r="http://schemas.openxmlformats.org/officeDocument/2006/relationships" xmlns:p="http://schemas.openxmlformats.org/presentationml/2006/main">
-  <p:cSld>
-    <p:spTree>
-      <p:nvGrpSpPr>
-        <p:cNvPr id="1" name="">
-          <a:extLst>
-            <a:ext uri="{FF2B5EF4-FFF2-40B4-BE49-F238E27FC236}">
-              <a16:creationId xmlns:a16="http://schemas.microsoft.com/office/drawing/2014/main" id="{F3D35364-71DE-53F5-888F-9996C7CCC63C}"/>
-            </a:ext>
-          </a:extLst>
-        </p:cNvPr>
-        <p:cNvGrpSpPr/>
-        <p:nvPr/>
-      </p:nvGrpSpPr>
-      <p:grpSpPr>
-        <a:xfrm>
-          <a:off x="0" y="0"/>
-          <a:ext cx="0" cy="0"/>
-          <a:chOff x="0" y="0"/>
-          <a:chExt cx="0" cy="0"/>
-        </a:xfrm>
-      </p:grpSpPr>
-      <p:sp>
-        <p:nvSpPr>
-          <p:cNvPr id="4" name="Titel 3">
-            <a:extLst>
-              <a:ext uri="{FF2B5EF4-FFF2-40B4-BE49-F238E27FC236}">
-                <a16:creationId xmlns:a16="http://schemas.microsoft.com/office/drawing/2014/main" id="{987A4161-4A8B-761D-08D2-6F231B68A50E}"/>
-              </a:ext>
-            </a:extLst>
-          </p:cNvPr>
-          <p:cNvSpPr>
-            <a:spLocks noGrp="1"/>
-          </p:cNvSpPr>
-          <p:nvPr>
-            <p:ph type="ctrTitle"/>
-          </p:nvPr>
-        </p:nvSpPr>
-        <p:spPr/>
-        <p:txBody>
-          <a:bodyPr/>
-          <a:lstStyle/>
-          <a:p>
-            <a:r>
-              <a:rPr lang="de-DE" dirty="0" err="1"/>
-              <a:t>bUnit</a:t>
-            </a:r>
-            <a:endParaRPr lang="de-DE" dirty="0"/>
-          </a:p>
-        </p:txBody>
-      </p:sp>
-      <p:sp>
-        <p:nvSpPr>
-          <p:cNvPr id="5" name="Untertitel 4">
-            <a:extLst>
-              <a:ext uri="{FF2B5EF4-FFF2-40B4-BE49-F238E27FC236}">
-                <a16:creationId xmlns:a16="http://schemas.microsoft.com/office/drawing/2014/main" id="{E7AD16EF-6DF0-8A36-B2AE-F7CF74BE3D15}"/>
-              </a:ext>
-            </a:extLst>
-          </p:cNvPr>
-          <p:cNvSpPr>
-            <a:spLocks noGrp="1"/>
-          </p:cNvSpPr>
-          <p:nvPr>
-            <p:ph type="subTitle" idx="1"/>
-          </p:nvPr>
-        </p:nvSpPr>
-        <p:spPr/>
-        <p:txBody>
-          <a:bodyPr/>
-          <a:lstStyle/>
-          <a:p>
-            <a:endParaRPr lang="de-DE"/>
-          </a:p>
-        </p:txBody>
-      </p:sp>
-    </p:spTree>
-    <p:extLst>
-      <p:ext uri="{BB962C8B-B14F-4D97-AF65-F5344CB8AC3E}">
-        <p14:creationId xmlns:p14="http://schemas.microsoft.com/office/powerpoint/2010/main" val="680091946"/>
       </p:ext>
     </p:extLst>
   </p:cSld>
@@ -14417,6 +14658,212 @@
         <p:cNvPr id="1" name="">
           <a:extLst>
             <a:ext uri="{FF2B5EF4-FFF2-40B4-BE49-F238E27FC236}">
+              <a16:creationId xmlns:a16="http://schemas.microsoft.com/office/drawing/2014/main" id="{6532B37A-4105-F041-58F1-052B82E4C8F5}"/>
+            </a:ext>
+          </a:extLst>
+        </p:cNvPr>
+        <p:cNvGrpSpPr/>
+        <p:nvPr/>
+      </p:nvGrpSpPr>
+      <p:grpSpPr>
+        <a:xfrm>
+          <a:off x="0" y="0"/>
+          <a:ext cx="0" cy="0"/>
+          <a:chOff x="0" y="0"/>
+          <a:chExt cx="0" cy="0"/>
+        </a:xfrm>
+      </p:grpSpPr>
+      <p:sp>
+        <p:nvSpPr>
+          <p:cNvPr id="2" name="Titel 1">
+            <a:extLst>
+              <a:ext uri="{FF2B5EF4-FFF2-40B4-BE49-F238E27FC236}">
+                <a16:creationId xmlns:a16="http://schemas.microsoft.com/office/drawing/2014/main" id="{CC31B456-CD81-0113-B7A1-0A8B806A8033}"/>
+              </a:ext>
+            </a:extLst>
+          </p:cNvPr>
+          <p:cNvSpPr>
+            <a:spLocks noGrp="1"/>
+          </p:cNvSpPr>
+          <p:nvPr>
+            <p:ph type="title"/>
+          </p:nvPr>
+        </p:nvSpPr>
+        <p:spPr/>
+        <p:txBody>
+          <a:bodyPr/>
+          <a:lstStyle/>
+          <a:p>
+            <a:r>
+              <a:rPr lang="de-DE" dirty="0"/>
+              <a:t>Demo</a:t>
+            </a:r>
+          </a:p>
+        </p:txBody>
+      </p:sp>
+      <p:sp>
+        <p:nvSpPr>
+          <p:cNvPr id="3" name="Inhaltsplatzhalter 2">
+            <a:extLst>
+              <a:ext uri="{FF2B5EF4-FFF2-40B4-BE49-F238E27FC236}">
+                <a16:creationId xmlns:a16="http://schemas.microsoft.com/office/drawing/2014/main" id="{CB4AD649-8666-46F9-CFC5-672E2531EB78}"/>
+              </a:ext>
+            </a:extLst>
+          </p:cNvPr>
+          <p:cNvSpPr>
+            <a:spLocks noGrp="1"/>
+          </p:cNvSpPr>
+          <p:nvPr>
+            <p:ph sz="quarter" idx="16"/>
+          </p:nvPr>
+        </p:nvSpPr>
+        <p:spPr>
+          <a:xfrm>
+            <a:off x="282224" y="941527"/>
+            <a:ext cx="7055554" cy="4128162"/>
+          </a:xfrm>
+        </p:spPr>
+        <p:txBody>
+          <a:bodyPr/>
+          <a:lstStyle/>
+          <a:p>
+            <a:pPr marL="0" indent="0">
+              <a:buNone/>
+            </a:pPr>
+            <a:r>
+              <a:rPr lang="de-DE" dirty="0"/>
+              <a:t>DEMO – </a:t>
+            </a:r>
+            <a:r>
+              <a:rPr lang="de-DE" dirty="0" err="1"/>
+              <a:t>Mocking</a:t>
+            </a:r>
+            <a:r>
+              <a:rPr lang="de-DE" dirty="0"/>
+              <a:t> (</a:t>
+            </a:r>
+            <a:r>
+              <a:rPr lang="de-DE" dirty="0" err="1"/>
+              <a:t>Moq</a:t>
+            </a:r>
+            <a:r>
+              <a:rPr lang="de-DE" dirty="0"/>
+              <a:t>)</a:t>
+            </a:r>
+          </a:p>
+        </p:txBody>
+      </p:sp>
+    </p:spTree>
+    <p:extLst>
+      <p:ext uri="{BB962C8B-B14F-4D97-AF65-F5344CB8AC3E}">
+        <p14:creationId xmlns:p14="http://schemas.microsoft.com/office/powerpoint/2010/main" val="3613123689"/>
+      </p:ext>
+    </p:extLst>
+  </p:cSld>
+  <p:clrMapOvr>
+    <a:masterClrMapping/>
+  </p:clrMapOvr>
+</p:sld>
+</file>
+
+<file path=ppt/slides/slide41.xml><?xml version="1.0" encoding="utf-8"?>
+<p:sld xmlns:a="http://schemas.openxmlformats.org/drawingml/2006/main" xmlns:r="http://schemas.openxmlformats.org/officeDocument/2006/relationships" xmlns:p="http://schemas.openxmlformats.org/presentationml/2006/main">
+  <p:cSld>
+    <p:spTree>
+      <p:nvGrpSpPr>
+        <p:cNvPr id="1" name="">
+          <a:extLst>
+            <a:ext uri="{FF2B5EF4-FFF2-40B4-BE49-F238E27FC236}">
+              <a16:creationId xmlns:a16="http://schemas.microsoft.com/office/drawing/2014/main" id="{F3D35364-71DE-53F5-888F-9996C7CCC63C}"/>
+            </a:ext>
+          </a:extLst>
+        </p:cNvPr>
+        <p:cNvGrpSpPr/>
+        <p:nvPr/>
+      </p:nvGrpSpPr>
+      <p:grpSpPr>
+        <a:xfrm>
+          <a:off x="0" y="0"/>
+          <a:ext cx="0" cy="0"/>
+          <a:chOff x="0" y="0"/>
+          <a:chExt cx="0" cy="0"/>
+        </a:xfrm>
+      </p:grpSpPr>
+      <p:sp>
+        <p:nvSpPr>
+          <p:cNvPr id="4" name="Titel 3">
+            <a:extLst>
+              <a:ext uri="{FF2B5EF4-FFF2-40B4-BE49-F238E27FC236}">
+                <a16:creationId xmlns:a16="http://schemas.microsoft.com/office/drawing/2014/main" id="{987A4161-4A8B-761D-08D2-6F231B68A50E}"/>
+              </a:ext>
+            </a:extLst>
+          </p:cNvPr>
+          <p:cNvSpPr>
+            <a:spLocks noGrp="1"/>
+          </p:cNvSpPr>
+          <p:nvPr>
+            <p:ph type="ctrTitle"/>
+          </p:nvPr>
+        </p:nvSpPr>
+        <p:spPr/>
+        <p:txBody>
+          <a:bodyPr/>
+          <a:lstStyle/>
+          <a:p>
+            <a:r>
+              <a:rPr lang="de-DE" dirty="0" err="1"/>
+              <a:t>bUnit</a:t>
+            </a:r>
+            <a:endParaRPr lang="de-DE" dirty="0"/>
+          </a:p>
+        </p:txBody>
+      </p:sp>
+      <p:sp>
+        <p:nvSpPr>
+          <p:cNvPr id="5" name="Untertitel 4">
+            <a:extLst>
+              <a:ext uri="{FF2B5EF4-FFF2-40B4-BE49-F238E27FC236}">
+                <a16:creationId xmlns:a16="http://schemas.microsoft.com/office/drawing/2014/main" id="{E7AD16EF-6DF0-8A36-B2AE-F7CF74BE3D15}"/>
+              </a:ext>
+            </a:extLst>
+          </p:cNvPr>
+          <p:cNvSpPr>
+            <a:spLocks noGrp="1"/>
+          </p:cNvSpPr>
+          <p:nvPr>
+            <p:ph type="subTitle" idx="1"/>
+          </p:nvPr>
+        </p:nvSpPr>
+        <p:spPr/>
+        <p:txBody>
+          <a:bodyPr/>
+          <a:lstStyle/>
+          <a:p>
+            <a:endParaRPr lang="de-DE"/>
+          </a:p>
+        </p:txBody>
+      </p:sp>
+    </p:spTree>
+    <p:extLst>
+      <p:ext uri="{BB962C8B-B14F-4D97-AF65-F5344CB8AC3E}">
+        <p14:creationId xmlns:p14="http://schemas.microsoft.com/office/powerpoint/2010/main" val="680091946"/>
+      </p:ext>
+    </p:extLst>
+  </p:cSld>
+  <p:clrMapOvr>
+    <a:masterClrMapping/>
+  </p:clrMapOvr>
+</p:sld>
+</file>
+
+<file path=ppt/slides/slide42.xml><?xml version="1.0" encoding="utf-8"?>
+<p:sld xmlns:a="http://schemas.openxmlformats.org/drawingml/2006/main" xmlns:r="http://schemas.openxmlformats.org/officeDocument/2006/relationships" xmlns:p="http://schemas.openxmlformats.org/presentationml/2006/main">
+  <p:cSld>
+    <p:spTree>
+      <p:nvGrpSpPr>
+        <p:cNvPr id="1" name="">
+          <a:extLst>
+            <a:ext uri="{FF2B5EF4-FFF2-40B4-BE49-F238E27FC236}">
               <a16:creationId xmlns:a16="http://schemas.microsoft.com/office/drawing/2014/main" id="{E735346A-CB52-FF27-E456-F23FFA6A68BC}"/>
             </a:ext>
           </a:extLst>
@@ -14631,7 +15078,7 @@
 </p:sld>
 </file>
 
-<file path=ppt/slides/slide41.xml><?xml version="1.0" encoding="utf-8"?>
+<file path=ppt/slides/slide43.xml><?xml version="1.0" encoding="utf-8"?>
 <p:sld xmlns:a="http://schemas.openxmlformats.org/drawingml/2006/main" xmlns:r="http://schemas.openxmlformats.org/officeDocument/2006/relationships" xmlns:p="http://schemas.openxmlformats.org/presentationml/2006/main">
   <p:cSld>
     <p:spTree>
@@ -14809,7 +15256,7 @@
 </p:sld>
 </file>
 
-<file path=ppt/slides/slide42.xml><?xml version="1.0" encoding="utf-8"?>
+<file path=ppt/slides/slide44.xml><?xml version="1.0" encoding="utf-8"?>
 <p:sld xmlns:a="http://schemas.openxmlformats.org/drawingml/2006/main" xmlns:r="http://schemas.openxmlformats.org/officeDocument/2006/relationships" xmlns:p="http://schemas.openxmlformats.org/presentationml/2006/main">
   <p:cSld>
     <p:spTree>
@@ -15505,7 +15952,7 @@
 </p:sld>
 </file>
 
-<file path=ppt/slides/slide43.xml><?xml version="1.0" encoding="utf-8"?>
+<file path=ppt/slides/slide45.xml><?xml version="1.0" encoding="utf-8"?>
 <p:sld xmlns:a="http://schemas.openxmlformats.org/drawingml/2006/main" xmlns:r="http://schemas.openxmlformats.org/officeDocument/2006/relationships" xmlns:p="http://schemas.openxmlformats.org/presentationml/2006/main">
   <p:cSld>
     <p:spTree>
@@ -15610,7 +16057,7 @@
 </p:sld>
 </file>
 
-<file path=ppt/slides/slide44.xml><?xml version="1.0" encoding="utf-8"?>
+<file path=ppt/slides/slide46.xml><?xml version="1.0" encoding="utf-8"?>
 <p:sld xmlns:a="http://schemas.openxmlformats.org/drawingml/2006/main" xmlns:r="http://schemas.openxmlformats.org/officeDocument/2006/relationships" xmlns:p="http://schemas.openxmlformats.org/presentationml/2006/main">
   <p:cSld>
     <p:spTree>
@@ -15699,12 +16146,18 @@
 </p:sld>
 </file>
 
-<file path=ppt/slides/slide45.xml><?xml version="1.0" encoding="utf-8"?>
+<file path=ppt/slides/slide47.xml><?xml version="1.0" encoding="utf-8"?>
 <p:sld xmlns:a="http://schemas.openxmlformats.org/drawingml/2006/main" xmlns:r="http://schemas.openxmlformats.org/officeDocument/2006/relationships" xmlns:p="http://schemas.openxmlformats.org/presentationml/2006/main">
   <p:cSld>
     <p:spTree>
       <p:nvGrpSpPr>
-        <p:cNvPr id="1" name=""/>
+        <p:cNvPr id="1" name="">
+          <a:extLst>
+            <a:ext uri="{FF2B5EF4-FFF2-40B4-BE49-F238E27FC236}">
+              <a16:creationId xmlns:a16="http://schemas.microsoft.com/office/drawing/2014/main" id="{46332EBA-AE5D-FFE3-3411-1059A3A5EBD1}"/>
+            </a:ext>
+          </a:extLst>
+        </p:cNvPr>
         <p:cNvGrpSpPr/>
         <p:nvPr/>
       </p:nvGrpSpPr>
@@ -15718,7 +16171,13 @@
       </p:grpSpPr>
       <p:sp>
         <p:nvSpPr>
-          <p:cNvPr id="2" name="Titel 1"/>
+          <p:cNvPr id="2" name="Titel 1">
+            <a:extLst>
+              <a:ext uri="{FF2B5EF4-FFF2-40B4-BE49-F238E27FC236}">
+                <a16:creationId xmlns:a16="http://schemas.microsoft.com/office/drawing/2014/main" id="{64A7FEB4-8122-AA06-E24C-40123A3296A6}"/>
+              </a:ext>
+            </a:extLst>
+          </p:cNvPr>
           <p:cNvSpPr>
             <a:spLocks noGrp="1"/>
           </p:cNvSpPr>
@@ -15732,28 +16191,36 @@
           <a:lstStyle/>
           <a:p>
             <a:r>
-              <a:rPr lang="de-DE"/>
-              <a:t>Kontakt</a:t>
-            </a:r>
-            <a:endParaRPr lang="de-DE" dirty="0"/>
-          </a:p>
-        </p:txBody>
-      </p:sp>
-      <p:sp>
-        <p:nvSpPr>
-          <p:cNvPr id="3" name="Inhaltsplatzhalter 2"/>
+              <a:rPr lang="de-DE" dirty="0"/>
+              <a:t>Demo</a:t>
+            </a:r>
+          </a:p>
+        </p:txBody>
+      </p:sp>
+      <p:sp>
+        <p:nvSpPr>
+          <p:cNvPr id="3" name="Inhaltsplatzhalter 2">
+            <a:extLst>
+              <a:ext uri="{FF2B5EF4-FFF2-40B4-BE49-F238E27FC236}">
+                <a16:creationId xmlns:a16="http://schemas.microsoft.com/office/drawing/2014/main" id="{7EC6DB5A-CA92-ADD9-AE8B-8D07C0E25456}"/>
+              </a:ext>
+            </a:extLst>
+          </p:cNvPr>
           <p:cNvSpPr>
             <a:spLocks noGrp="1"/>
           </p:cNvSpPr>
           <p:nvPr>
-            <p:ph idx="1"/>
+            <p:ph sz="quarter" idx="16"/>
           </p:nvPr>
         </p:nvSpPr>
-        <p:spPr/>
-        <p:txBody>
-          <a:bodyPr>
-            <a:normAutofit fontScale="85000" lnSpcReduction="20000"/>
-          </a:bodyPr>
+        <p:spPr>
+          <a:xfrm>
+            <a:off x="282224" y="941527"/>
+            <a:ext cx="7055554" cy="4128162"/>
+          </a:xfrm>
+        </p:spPr>
+        <p:txBody>
+          <a:bodyPr/>
           <a:lstStyle/>
           <a:p>
             <a:pPr marL="0" indent="0">
@@ -15761,112 +16228,12 @@
             </a:pPr>
             <a:r>
               <a:rPr lang="de-DE" dirty="0"/>
-              <a:t>Ihr Referent</a:t>
-            </a:r>
-          </a:p>
-          <a:p>
-            <a:pPr marL="0" indent="0">
-              <a:buNone/>
-            </a:pPr>
-            <a:endParaRPr lang="de-DE" dirty="0"/>
-          </a:p>
-          <a:p>
-            <a:pPr marL="0" indent="0">
-              <a:buNone/>
-            </a:pPr>
-            <a:r>
-              <a:rPr lang="de-DE" dirty="0"/>
-              <a:t>Darius Sadeghi</a:t>
-            </a:r>
-          </a:p>
-          <a:p>
-            <a:pPr marL="0" indent="0">
-              <a:buNone/>
-            </a:pPr>
-            <a:r>
-              <a:rPr lang="de-DE" dirty="0">
-                <a:hlinkClick r:id="rId3"/>
-              </a:rPr>
-              <a:t>d.sadeghi@devware.de</a:t>
-            </a:r>
-            <a:endParaRPr lang="de-DE" dirty="0"/>
-          </a:p>
-          <a:p>
-            <a:pPr marL="0" indent="0">
-              <a:buNone/>
-            </a:pPr>
-            <a:endParaRPr lang="de-DE" dirty="0"/>
-          </a:p>
-          <a:p>
-            <a:pPr marL="0" indent="0">
-              <a:buNone/>
-            </a:pPr>
-            <a:r>
-              <a:rPr lang="de-DE" dirty="0"/>
-              <a:t>DEVWARE GmbH</a:t>
-            </a:r>
-          </a:p>
-          <a:p>
-            <a:pPr marL="0" indent="0">
-              <a:buNone/>
-            </a:pPr>
-            <a:r>
-              <a:rPr lang="de-DE" dirty="0"/>
-              <a:t>Güterstr. 20</a:t>
-            </a:r>
-          </a:p>
-          <a:p>
-            <a:pPr marL="0" indent="0">
-              <a:buNone/>
-            </a:pPr>
-            <a:r>
-              <a:rPr lang="de-DE" dirty="0"/>
-              <a:t>42117 Wuppertal</a:t>
-            </a:r>
-          </a:p>
-          <a:p>
-            <a:pPr marL="0" indent="0">
-              <a:buNone/>
-            </a:pPr>
-            <a:r>
-              <a:rPr lang="de-DE" dirty="0"/>
-              <a:t>Kommunikation</a:t>
-            </a:r>
-          </a:p>
-          <a:p>
-            <a:pPr marL="0" indent="0">
-              <a:buNone/>
-            </a:pPr>
-            <a:r>
-              <a:rPr lang="de-DE" dirty="0"/>
-              <a:t>Telefon 0202-478 269 - 0</a:t>
-            </a:r>
-          </a:p>
-          <a:p>
-            <a:pPr marL="0" indent="0">
-              <a:buNone/>
-            </a:pPr>
-            <a:r>
-              <a:rPr lang="de-DE" dirty="0"/>
-              <a:t>Fax 0202-478 269 19</a:t>
-            </a:r>
-          </a:p>
-          <a:p>
-            <a:pPr marL="0" indent="0">
-              <a:buNone/>
-            </a:pPr>
-            <a:r>
-              <a:rPr lang="de-DE">
-                <a:hlinkClick r:id="rId4"/>
-              </a:rPr>
-              <a:t>www.Devware.de</a:t>
-            </a:r>
-            <a:endParaRPr lang="de-DE"/>
-          </a:p>
-          <a:p>
-            <a:pPr marL="0" indent="0">
-              <a:buNone/>
-            </a:pPr>
+              <a:t>EF Core – </a:t>
+            </a:r>
+            <a:r>
+              <a:rPr lang="de-DE" dirty="0" err="1"/>
+              <a:t>InMemory</a:t>
+            </a:r>
             <a:endParaRPr lang="de-DE" dirty="0"/>
           </a:p>
         </p:txBody>
@@ -15874,25 +16241,231 @@
     </p:spTree>
     <p:extLst>
       <p:ext uri="{BB962C8B-B14F-4D97-AF65-F5344CB8AC3E}">
-        <p14:creationId xmlns:p14="http://schemas.microsoft.com/office/powerpoint/2010/main" val="3184080048"/>
+        <p14:creationId xmlns:p14="http://schemas.microsoft.com/office/powerpoint/2010/main" val="1211081762"/>
       </p:ext>
     </p:extLst>
   </p:cSld>
   <p:clrMapOvr>
     <a:masterClrMapping/>
   </p:clrMapOvr>
-  <mc:AlternateContent xmlns:mc="http://schemas.openxmlformats.org/markup-compatibility/2006" xmlns:p14="http://schemas.microsoft.com/office/powerpoint/2010/main">
-    <mc:Choice Requires="p14">
-      <p:transition spd="med" p14:dur="700">
-        <p:fade/>
-      </p:transition>
-    </mc:Choice>
-    <mc:Fallback xmlns="">
-      <p:transition spd="med">
-        <p:fade/>
-      </p:transition>
-    </mc:Fallback>
-  </mc:AlternateContent>
+</p:sld>
+</file>
+
+<file path=ppt/slides/slide48.xml><?xml version="1.0" encoding="utf-8"?>
+<p:sld xmlns:a="http://schemas.openxmlformats.org/drawingml/2006/main" xmlns:r="http://schemas.openxmlformats.org/officeDocument/2006/relationships" xmlns:p="http://schemas.openxmlformats.org/presentationml/2006/main">
+  <p:cSld>
+    <p:spTree>
+      <p:nvGrpSpPr>
+        <p:cNvPr id="1" name="">
+          <a:extLst>
+            <a:ext uri="{FF2B5EF4-FFF2-40B4-BE49-F238E27FC236}">
+              <a16:creationId xmlns:a16="http://schemas.microsoft.com/office/drawing/2014/main" id="{F3D60E8B-4041-81DE-A6C3-87F040AE8622}"/>
+            </a:ext>
+          </a:extLst>
+        </p:cNvPr>
+        <p:cNvGrpSpPr/>
+        <p:nvPr/>
+      </p:nvGrpSpPr>
+      <p:grpSpPr>
+        <a:xfrm>
+          <a:off x="0" y="0"/>
+          <a:ext cx="0" cy="0"/>
+          <a:chOff x="0" y="0"/>
+          <a:chExt cx="0" cy="0"/>
+        </a:xfrm>
+      </p:grpSpPr>
+      <p:sp>
+        <p:nvSpPr>
+          <p:cNvPr id="2" name="Titel 1">
+            <a:extLst>
+              <a:ext uri="{FF2B5EF4-FFF2-40B4-BE49-F238E27FC236}">
+                <a16:creationId xmlns:a16="http://schemas.microsoft.com/office/drawing/2014/main" id="{ECDBDF95-DE26-3910-3631-2F2DB082695D}"/>
+              </a:ext>
+            </a:extLst>
+          </p:cNvPr>
+          <p:cNvSpPr>
+            <a:spLocks noGrp="1"/>
+          </p:cNvSpPr>
+          <p:nvPr>
+            <p:ph type="title"/>
+          </p:nvPr>
+        </p:nvSpPr>
+        <p:spPr/>
+        <p:txBody>
+          <a:bodyPr/>
+          <a:lstStyle/>
+          <a:p>
+            <a:r>
+              <a:rPr lang="de-DE" dirty="0"/>
+              <a:t>Labs</a:t>
+            </a:r>
+          </a:p>
+        </p:txBody>
+      </p:sp>
+      <p:sp>
+        <p:nvSpPr>
+          <p:cNvPr id="3" name="Inhaltsplatzhalter 2">
+            <a:extLst>
+              <a:ext uri="{FF2B5EF4-FFF2-40B4-BE49-F238E27FC236}">
+                <a16:creationId xmlns:a16="http://schemas.microsoft.com/office/drawing/2014/main" id="{2D71DA5B-35AD-F35E-12E9-FD2E1692A78F}"/>
+              </a:ext>
+            </a:extLst>
+          </p:cNvPr>
+          <p:cNvSpPr>
+            <a:spLocks noGrp="1"/>
+          </p:cNvSpPr>
+          <p:nvPr>
+            <p:ph sz="quarter" idx="16"/>
+          </p:nvPr>
+        </p:nvSpPr>
+        <p:spPr>
+          <a:xfrm>
+            <a:off x="282224" y="941527"/>
+            <a:ext cx="7055554" cy="4128162"/>
+          </a:xfrm>
+        </p:spPr>
+        <p:txBody>
+          <a:bodyPr/>
+          <a:lstStyle/>
+          <a:p>
+            <a:pPr marL="0" indent="0">
+              <a:buNone/>
+            </a:pPr>
+            <a:r>
+              <a:rPr lang="de-DE" dirty="0" err="1"/>
+              <a:t>Mocking</a:t>
+            </a:r>
+            <a:r>
+              <a:rPr lang="de-DE" dirty="0"/>
+              <a:t> – </a:t>
+            </a:r>
+            <a:r>
+              <a:rPr lang="de-DE" dirty="0" err="1"/>
+              <a:t>Moq</a:t>
+            </a:r>
+            <a:r>
+              <a:rPr lang="de-DE" dirty="0"/>
+              <a:t> – </a:t>
+            </a:r>
+            <a:r>
+              <a:rPr lang="de-DE" dirty="0" err="1"/>
+              <a:t>Async</a:t>
+            </a:r>
+            <a:endParaRPr lang="de-DE" dirty="0"/>
+          </a:p>
+        </p:txBody>
+      </p:sp>
+    </p:spTree>
+    <p:extLst>
+      <p:ext uri="{BB962C8B-B14F-4D97-AF65-F5344CB8AC3E}">
+        <p14:creationId xmlns:p14="http://schemas.microsoft.com/office/powerpoint/2010/main" val="542160638"/>
+      </p:ext>
+    </p:extLst>
+  </p:cSld>
+  <p:clrMapOvr>
+    <a:masterClrMapping/>
+  </p:clrMapOvr>
+</p:sld>
+</file>
+
+<file path=ppt/slides/slide49.xml><?xml version="1.0" encoding="utf-8"?>
+<p:sld xmlns:a="http://schemas.openxmlformats.org/drawingml/2006/main" xmlns:r="http://schemas.openxmlformats.org/officeDocument/2006/relationships" xmlns:p="http://schemas.openxmlformats.org/presentationml/2006/main">
+  <p:cSld>
+    <p:spTree>
+      <p:nvGrpSpPr>
+        <p:cNvPr id="1" name="">
+          <a:extLst>
+            <a:ext uri="{FF2B5EF4-FFF2-40B4-BE49-F238E27FC236}">
+              <a16:creationId xmlns:a16="http://schemas.microsoft.com/office/drawing/2014/main" id="{CD1FD5D7-4252-83E9-573B-49F2F225F84B}"/>
+            </a:ext>
+          </a:extLst>
+        </p:cNvPr>
+        <p:cNvGrpSpPr/>
+        <p:nvPr/>
+      </p:nvGrpSpPr>
+      <p:grpSpPr>
+        <a:xfrm>
+          <a:off x="0" y="0"/>
+          <a:ext cx="0" cy="0"/>
+          <a:chOff x="0" y="0"/>
+          <a:chExt cx="0" cy="0"/>
+        </a:xfrm>
+      </p:grpSpPr>
+      <p:sp>
+        <p:nvSpPr>
+          <p:cNvPr id="2" name="Titel 1">
+            <a:extLst>
+              <a:ext uri="{FF2B5EF4-FFF2-40B4-BE49-F238E27FC236}">
+                <a16:creationId xmlns:a16="http://schemas.microsoft.com/office/drawing/2014/main" id="{92ADF6CE-3F6F-B9DD-C3E9-4D04CC08A3AD}"/>
+              </a:ext>
+            </a:extLst>
+          </p:cNvPr>
+          <p:cNvSpPr>
+            <a:spLocks noGrp="1"/>
+          </p:cNvSpPr>
+          <p:nvPr>
+            <p:ph type="title"/>
+          </p:nvPr>
+        </p:nvSpPr>
+        <p:spPr/>
+        <p:txBody>
+          <a:bodyPr/>
+          <a:lstStyle/>
+          <a:p>
+            <a:r>
+              <a:rPr lang="de-DE" dirty="0"/>
+              <a:t>Labs</a:t>
+            </a:r>
+          </a:p>
+        </p:txBody>
+      </p:sp>
+      <p:sp>
+        <p:nvSpPr>
+          <p:cNvPr id="3" name="Inhaltsplatzhalter 2">
+            <a:extLst>
+              <a:ext uri="{FF2B5EF4-FFF2-40B4-BE49-F238E27FC236}">
+                <a16:creationId xmlns:a16="http://schemas.microsoft.com/office/drawing/2014/main" id="{274176DD-21D6-610E-8503-0BC1C2EFADBE}"/>
+              </a:ext>
+            </a:extLst>
+          </p:cNvPr>
+          <p:cNvSpPr>
+            <a:spLocks noGrp="1"/>
+          </p:cNvSpPr>
+          <p:nvPr>
+            <p:ph sz="quarter" idx="16"/>
+          </p:nvPr>
+        </p:nvSpPr>
+        <p:spPr>
+          <a:xfrm>
+            <a:off x="282224" y="941527"/>
+            <a:ext cx="7055554" cy="4128162"/>
+          </a:xfrm>
+        </p:spPr>
+        <p:txBody>
+          <a:bodyPr/>
+          <a:lstStyle/>
+          <a:p>
+            <a:pPr marL="0" indent="0">
+              <a:buNone/>
+            </a:pPr>
+            <a:r>
+              <a:rPr lang="de-DE" dirty="0" err="1"/>
+              <a:t>bUnit</a:t>
+            </a:r>
+            <a:endParaRPr lang="de-DE" dirty="0"/>
+          </a:p>
+        </p:txBody>
+      </p:sp>
+    </p:spTree>
+    <p:extLst>
+      <p:ext uri="{BB962C8B-B14F-4D97-AF65-F5344CB8AC3E}">
+        <p14:creationId xmlns:p14="http://schemas.microsoft.com/office/powerpoint/2010/main" val="2944643163"/>
+      </p:ext>
+    </p:extLst>
+  </p:cSld>
+  <p:clrMapOvr>
+    <a:masterClrMapping/>
+  </p:clrMapOvr>
 </p:sld>
 </file>
 
@@ -16026,6 +16599,208 @@
     <p:extLst>
       <p:ext uri="{BB962C8B-B14F-4D97-AF65-F5344CB8AC3E}">
         <p14:creationId xmlns:p14="http://schemas.microsoft.com/office/powerpoint/2010/main" val="2656342870"/>
+      </p:ext>
+    </p:extLst>
+  </p:cSld>
+  <p:clrMapOvr>
+    <a:masterClrMapping/>
+  </p:clrMapOvr>
+  <mc:AlternateContent xmlns:mc="http://schemas.openxmlformats.org/markup-compatibility/2006" xmlns:p14="http://schemas.microsoft.com/office/powerpoint/2010/main">
+    <mc:Choice Requires="p14">
+      <p:transition spd="med" p14:dur="700">
+        <p:fade/>
+      </p:transition>
+    </mc:Choice>
+    <mc:Fallback xmlns="">
+      <p:transition spd="med">
+        <p:fade/>
+      </p:transition>
+    </mc:Fallback>
+  </mc:AlternateContent>
+</p:sld>
+</file>
+
+<file path=ppt/slides/slide50.xml><?xml version="1.0" encoding="utf-8"?>
+<p:sld xmlns:a="http://schemas.openxmlformats.org/drawingml/2006/main" xmlns:r="http://schemas.openxmlformats.org/officeDocument/2006/relationships" xmlns:p="http://schemas.openxmlformats.org/presentationml/2006/main">
+  <p:cSld>
+    <p:spTree>
+      <p:nvGrpSpPr>
+        <p:cNvPr id="1" name=""/>
+        <p:cNvGrpSpPr/>
+        <p:nvPr/>
+      </p:nvGrpSpPr>
+      <p:grpSpPr>
+        <a:xfrm>
+          <a:off x="0" y="0"/>
+          <a:ext cx="0" cy="0"/>
+          <a:chOff x="0" y="0"/>
+          <a:chExt cx="0" cy="0"/>
+        </a:xfrm>
+      </p:grpSpPr>
+      <p:sp>
+        <p:nvSpPr>
+          <p:cNvPr id="2" name="Titel 1"/>
+          <p:cNvSpPr>
+            <a:spLocks noGrp="1"/>
+          </p:cNvSpPr>
+          <p:nvPr>
+            <p:ph type="title"/>
+          </p:nvPr>
+        </p:nvSpPr>
+        <p:spPr/>
+        <p:txBody>
+          <a:bodyPr/>
+          <a:lstStyle/>
+          <a:p>
+            <a:r>
+              <a:rPr lang="de-DE"/>
+              <a:t>Kontakt</a:t>
+            </a:r>
+            <a:endParaRPr lang="de-DE" dirty="0"/>
+          </a:p>
+        </p:txBody>
+      </p:sp>
+      <p:sp>
+        <p:nvSpPr>
+          <p:cNvPr id="3" name="Inhaltsplatzhalter 2"/>
+          <p:cNvSpPr>
+            <a:spLocks noGrp="1"/>
+          </p:cNvSpPr>
+          <p:nvPr>
+            <p:ph idx="1"/>
+          </p:nvPr>
+        </p:nvSpPr>
+        <p:spPr>
+          <a:xfrm>
+            <a:off x="523875" y="1273324"/>
+            <a:ext cx="6572250" cy="3626115"/>
+          </a:xfrm>
+        </p:spPr>
+        <p:txBody>
+          <a:bodyPr>
+            <a:normAutofit fontScale="85000" lnSpcReduction="20000"/>
+          </a:bodyPr>
+          <a:lstStyle/>
+          <a:p>
+            <a:pPr marL="0" indent="0">
+              <a:buNone/>
+            </a:pPr>
+            <a:r>
+              <a:rPr lang="de-DE" dirty="0"/>
+              <a:t>Ihr Referent</a:t>
+            </a:r>
+          </a:p>
+          <a:p>
+            <a:pPr marL="0" indent="0">
+              <a:buNone/>
+            </a:pPr>
+            <a:endParaRPr lang="de-DE" dirty="0"/>
+          </a:p>
+          <a:p>
+            <a:pPr marL="0" indent="0">
+              <a:buNone/>
+            </a:pPr>
+            <a:r>
+              <a:rPr lang="de-DE" dirty="0"/>
+              <a:t>Darius Sadeghi</a:t>
+            </a:r>
+          </a:p>
+          <a:p>
+            <a:pPr marL="0" indent="0">
+              <a:buNone/>
+            </a:pPr>
+            <a:r>
+              <a:rPr lang="de-DE" dirty="0">
+                <a:hlinkClick r:id="rId3"/>
+              </a:rPr>
+              <a:t>d.sadeghi@devware.de</a:t>
+            </a:r>
+            <a:endParaRPr lang="de-DE" dirty="0"/>
+          </a:p>
+          <a:p>
+            <a:pPr marL="0" indent="0">
+              <a:buNone/>
+            </a:pPr>
+            <a:endParaRPr lang="de-DE" dirty="0"/>
+          </a:p>
+          <a:p>
+            <a:pPr marL="0" indent="0">
+              <a:buNone/>
+            </a:pPr>
+            <a:r>
+              <a:rPr lang="de-DE" dirty="0"/>
+              <a:t>DEVWARE GmbH</a:t>
+            </a:r>
+          </a:p>
+          <a:p>
+            <a:pPr marL="0" indent="0">
+              <a:buNone/>
+            </a:pPr>
+            <a:r>
+              <a:rPr lang="de-DE" dirty="0"/>
+              <a:t>Güterstr. 20</a:t>
+            </a:r>
+          </a:p>
+          <a:p>
+            <a:pPr marL="0" indent="0">
+              <a:buNone/>
+            </a:pPr>
+            <a:r>
+              <a:rPr lang="de-DE" dirty="0"/>
+              <a:t>42117 Wuppertal</a:t>
+            </a:r>
+          </a:p>
+          <a:p>
+            <a:pPr marL="0" indent="0">
+              <a:buNone/>
+            </a:pPr>
+            <a:r>
+              <a:rPr lang="de-DE" dirty="0"/>
+              <a:t>Kommunikation</a:t>
+            </a:r>
+          </a:p>
+          <a:p>
+            <a:pPr marL="0" indent="0">
+              <a:buNone/>
+            </a:pPr>
+            <a:r>
+              <a:rPr lang="de-DE" dirty="0"/>
+              <a:t>Telefon 0202-478 269 - 0</a:t>
+            </a:r>
+          </a:p>
+          <a:p>
+            <a:pPr marL="0" indent="0">
+              <a:buNone/>
+            </a:pPr>
+            <a:r>
+              <a:rPr lang="de-DE" dirty="0"/>
+              <a:t>Fax 0202-478 269 19</a:t>
+            </a:r>
+          </a:p>
+          <a:p>
+            <a:pPr marL="0" indent="0">
+              <a:buNone/>
+            </a:pPr>
+            <a:r>
+              <a:rPr lang="de-DE" dirty="0">
+                <a:hlinkClick r:id="rId4"/>
+              </a:rPr>
+              <a:t>www.Devware.de</a:t>
+            </a:r>
+            <a:endParaRPr lang="de-DE" dirty="0"/>
+          </a:p>
+          <a:p>
+            <a:pPr marL="0" indent="0">
+              <a:buNone/>
+            </a:pPr>
+            <a:endParaRPr lang="de-DE" dirty="0"/>
+          </a:p>
+        </p:txBody>
+      </p:sp>
+    </p:spTree>
+    <p:extLst>
+      <p:ext uri="{BB962C8B-B14F-4D97-AF65-F5344CB8AC3E}">
+        <p14:creationId xmlns:p14="http://schemas.microsoft.com/office/powerpoint/2010/main" val="3184080048"/>
       </p:ext>
     </p:extLst>
   </p:cSld>
@@ -17988,12 +18763,6 @@
 </file>
 
 <file path=customXml/item2.xml><?xml version="1.0" encoding="utf-8"?>
-<p:properties xmlns:p="http://schemas.microsoft.com/office/2006/metadata/properties" xmlns:xsi="http://www.w3.org/2001/XMLSchema-instance">
-  <documentManagement/>
-</p:properties>
-</file>
-
-<file path=customXml/item3.xml><?xml version="1.0" encoding="utf-8"?>
 <ct:contentTypeSchema xmlns:ct="http://schemas.microsoft.com/office/2006/metadata/contentType" xmlns:ma="http://schemas.microsoft.com/office/2006/metadata/properties/metaAttributes" ct:_="" ma:_="" ma:contentTypeName="Document" ma:contentTypeID="0x01010046AD91D8D4DE894EBAD47719A3C264BC" ma:contentTypeVersion="0" ma:contentTypeDescription="Create a new document." ma:contentTypeScope="" ma:versionID="97aef50d91f1b101f69d1a9e2b819b3f">
   <xsd:schema xmlns:xsd="http://www.w3.org/2001/XMLSchema" xmlns:p="http://schemas.microsoft.com/office/2006/metadata/properties" targetNamespace="http://schemas.microsoft.com/office/2006/metadata/properties" ma:root="true" ma:fieldsID="4aeb20c0e3442673af7ee10786458764">
     <xsd:element name="properties">
@@ -18042,10 +18811,16 @@
 </ct:contentTypeSchema>
 </file>
 
-<file path=customXml/item4.xml><?xml version="1.0" encoding="utf-8"?>
+<file path=customXml/item3.xml><?xml version="1.0" encoding="utf-8"?>
 <Control xmlns="http://schemas.microsoft.com/VisualStudio/2011/storyboarding/control">
   <Id Name="0eeb7cd6-0ce7-493d-a937-fc0f06537b83" Revision="1" Stencil="System.MyShapes" StencilVersion="1.0"/>
 </Control>
+</file>
+
+<file path=customXml/item4.xml><?xml version="1.0" encoding="utf-8"?>
+<p:properties xmlns:p="http://schemas.microsoft.com/office/2006/metadata/properties" xmlns:xsi="http://www.w3.org/2001/XMLSchema-instance">
+  <documentManagement/>
+</p:properties>
 </file>
 
 <file path=customXml/itemProps1.xml><?xml version="1.0" encoding="utf-8"?>
@@ -18057,20 +18832,6 @@
 </file>
 
 <file path=customXml/itemProps2.xml><?xml version="1.0" encoding="utf-8"?>
-<ds:datastoreItem xmlns:ds="http://schemas.openxmlformats.org/officeDocument/2006/customXml" ds:itemID="{A0548314-14AF-4BCF-98CB-3A440C1B4137}">
-  <ds:schemaRefs>
-    <ds:schemaRef ds:uri="http://schemas.microsoft.com/office/2006/documentManagement/types"/>
-    <ds:schemaRef ds:uri="http://purl.org/dc/dcmitype/"/>
-    <ds:schemaRef ds:uri="http://purl.org/dc/terms/"/>
-    <ds:schemaRef ds:uri="http://www.w3.org/XML/1998/namespace"/>
-    <ds:schemaRef ds:uri="http://schemas.openxmlformats.org/package/2006/metadata/core-properties"/>
-    <ds:schemaRef ds:uri="http://schemas.microsoft.com/office/2006/metadata/properties"/>
-    <ds:schemaRef ds:uri="http://purl.org/dc/elements/1.1/"/>
-  </ds:schemaRefs>
-</ds:datastoreItem>
-</file>
-
-<file path=customXml/itemProps3.xml><?xml version="1.0" encoding="utf-8"?>
 <ds:datastoreItem xmlns:ds="http://schemas.openxmlformats.org/officeDocument/2006/customXml" ds:itemID="{69539BA9-8039-4EF1-A013-ED008E7B4E15}">
   <ds:schemaRefs>
     <ds:schemaRef ds:uri="http://schemas.microsoft.com/office/2006/metadata/contentType"/>
@@ -18085,10 +18846,24 @@
 </ds:datastoreItem>
 </file>
 
-<file path=customXml/itemProps4.xml><?xml version="1.0" encoding="utf-8"?>
+<file path=customXml/itemProps3.xml><?xml version="1.0" encoding="utf-8"?>
 <ds:datastoreItem xmlns:ds="http://schemas.openxmlformats.org/officeDocument/2006/customXml" ds:itemID="{7C6143AF-337C-4A31-8FE0-52EFD1D663C2}">
   <ds:schemaRefs>
     <ds:schemaRef ds:uri="http://schemas.microsoft.com/VisualStudio/2011/storyboarding/control"/>
   </ds:schemaRefs>
 </ds:datastoreItem>
+</file>
+
+<file path=customXml/itemProps4.xml><?xml version="1.0" encoding="utf-8"?>
+<ds:datastoreItem xmlns:ds="http://schemas.openxmlformats.org/officeDocument/2006/customXml" ds:itemID="{A0548314-14AF-4BCF-98CB-3A440C1B4137}">
+  <ds:schemaRefs>
+    <ds:schemaRef ds:uri="http://schemas.microsoft.com/office/2006/documentManagement/types"/>
+    <ds:schemaRef ds:uri="http://purl.org/dc/dcmitype/"/>
+    <ds:schemaRef ds:uri="http://purl.org/dc/terms/"/>
+    <ds:schemaRef ds:uri="http://www.w3.org/XML/1998/namespace"/>
+    <ds:schemaRef ds:uri="http://schemas.openxmlformats.org/package/2006/metadata/core-properties"/>
+    <ds:schemaRef ds:uri="http://schemas.microsoft.com/office/2006/metadata/properties"/>
+    <ds:schemaRef ds:uri="http://purl.org/dc/elements/1.1/"/>
+  </ds:schemaRefs>
+</ds:datastoreItem>
 </file>